--- a/Digital_Essentials-Java.pptx
+++ b/Digital_Essentials-Java.pptx
@@ -14,32 +14,32 @@
     <p:sldId id="264" r:id="rId8"/>
     <p:sldId id="266" r:id="rId9"/>
     <p:sldId id="265" r:id="rId10"/>
-    <p:sldId id="268" r:id="rId11"/>
-    <p:sldId id="269" r:id="rId12"/>
-    <p:sldId id="270" r:id="rId13"/>
-    <p:sldId id="272" r:id="rId14"/>
-    <p:sldId id="273" r:id="rId15"/>
-    <p:sldId id="275" r:id="rId16"/>
-    <p:sldId id="276" r:id="rId17"/>
-    <p:sldId id="277" r:id="rId18"/>
-    <p:sldId id="278" r:id="rId19"/>
-    <p:sldId id="280" r:id="rId20"/>
-    <p:sldId id="281" r:id="rId21"/>
-    <p:sldId id="282" r:id="rId22"/>
-    <p:sldId id="283" r:id="rId23"/>
-    <p:sldId id="296" r:id="rId24"/>
-    <p:sldId id="284" r:id="rId25"/>
-    <p:sldId id="285" r:id="rId26"/>
-    <p:sldId id="286" r:id="rId27"/>
-    <p:sldId id="287" r:id="rId28"/>
-    <p:sldId id="290" r:id="rId29"/>
-    <p:sldId id="288" r:id="rId30"/>
-    <p:sldId id="289" r:id="rId31"/>
-    <p:sldId id="291" r:id="rId32"/>
-    <p:sldId id="292" r:id="rId33"/>
-    <p:sldId id="293" r:id="rId34"/>
-    <p:sldId id="294" r:id="rId35"/>
-    <p:sldId id="295" r:id="rId36"/>
+    <p:sldId id="269" r:id="rId11"/>
+    <p:sldId id="270" r:id="rId12"/>
+    <p:sldId id="272" r:id="rId13"/>
+    <p:sldId id="273" r:id="rId14"/>
+    <p:sldId id="275" r:id="rId15"/>
+    <p:sldId id="276" r:id="rId16"/>
+    <p:sldId id="277" r:id="rId17"/>
+    <p:sldId id="278" r:id="rId18"/>
+    <p:sldId id="280" r:id="rId19"/>
+    <p:sldId id="281" r:id="rId20"/>
+    <p:sldId id="282" r:id="rId21"/>
+    <p:sldId id="283" r:id="rId22"/>
+    <p:sldId id="296" r:id="rId23"/>
+    <p:sldId id="284" r:id="rId24"/>
+    <p:sldId id="285" r:id="rId25"/>
+    <p:sldId id="286" r:id="rId26"/>
+    <p:sldId id="287" r:id="rId27"/>
+    <p:sldId id="290" r:id="rId28"/>
+    <p:sldId id="288" r:id="rId29"/>
+    <p:sldId id="289" r:id="rId30"/>
+    <p:sldId id="291" r:id="rId31"/>
+    <p:sldId id="292" r:id="rId32"/>
+    <p:sldId id="293" r:id="rId33"/>
+    <p:sldId id="294" r:id="rId34"/>
+    <p:sldId id="295" r:id="rId35"/>
+    <p:sldId id="297" r:id="rId36"/>
   </p:sldIdLst>
   <p:sldSz cx="12192000" cy="6858000"/>
   <p:notesSz cx="6858000" cy="9144000"/>
@@ -3461,102 +3461,6 @@
           <p:cNvPr id="2" name="Title 1">
             <a:extLst>
               <a:ext uri="{FF2B5EF4-FFF2-40B4-BE49-F238E27FC236}">
-                <a16:creationId xmlns:a16="http://schemas.microsoft.com/office/drawing/2014/main" id="{D0896CB6-5F2E-9B82-4AAE-462C09A0AA84}"/>
-              </a:ext>
-            </a:extLst>
-          </p:cNvPr>
-          <p:cNvSpPr>
-            <a:spLocks noGrp="1"/>
-          </p:cNvSpPr>
-          <p:nvPr>
-            <p:ph type="title"/>
-          </p:nvPr>
-        </p:nvSpPr>
-        <p:spPr/>
-        <p:txBody>
-          <a:bodyPr/>
-          <a:lstStyle/>
-          <a:p>
-            <a:r>
-              <a:rPr lang="en-US" dirty="0" err="1"/>
-              <a:t>Práctica</a:t>
-            </a:r>
-            <a:r>
-              <a:rPr lang="en-US" dirty="0"/>
-              <a:t> - Crear </a:t>
-            </a:r>
-            <a:r>
-              <a:rPr lang="en-US" dirty="0" err="1"/>
-              <a:t>tu</a:t>
-            </a:r>
-            <a:r>
-              <a:rPr lang="en-US" dirty="0"/>
-              <a:t> Clase</a:t>
-            </a:r>
-            <a:endParaRPr lang="es-EC" dirty="0"/>
-          </a:p>
-        </p:txBody>
-      </p:sp>
-      <p:sp>
-        <p:nvSpPr>
-          <p:cNvPr id="3" name="Content Placeholder 2">
-            <a:extLst>
-              <a:ext uri="{FF2B5EF4-FFF2-40B4-BE49-F238E27FC236}">
-                <a16:creationId xmlns:a16="http://schemas.microsoft.com/office/drawing/2014/main" id="{C3B2F46F-88AD-826F-F61A-A288EF6FD6EC}"/>
-              </a:ext>
-            </a:extLst>
-          </p:cNvPr>
-          <p:cNvSpPr>
-            <a:spLocks noGrp="1"/>
-          </p:cNvSpPr>
-          <p:nvPr>
-            <p:ph idx="1"/>
-          </p:nvPr>
-        </p:nvSpPr>
-        <p:spPr/>
-        <p:txBody>
-          <a:bodyPr/>
-          <a:lstStyle/>
-          <a:p>
-            <a:endParaRPr lang="es-EC"/>
-          </a:p>
-        </p:txBody>
-      </p:sp>
-    </p:spTree>
-    <p:extLst>
-      <p:ext uri="{BB962C8B-B14F-4D97-AF65-F5344CB8AC3E}">
-        <p14:creationId xmlns:p14="http://schemas.microsoft.com/office/powerpoint/2010/main" val="3791946169"/>
-      </p:ext>
-    </p:extLst>
-  </p:cSld>
-  <p:clrMapOvr>
-    <a:masterClrMapping/>
-  </p:clrMapOvr>
-</p:sld>
-</file>
-
-<file path=ppt/slides/slide11.xml><?xml version="1.0" encoding="utf-8"?>
-<p:sld xmlns:a="http://schemas.openxmlformats.org/drawingml/2006/main" xmlns:r="http://schemas.openxmlformats.org/officeDocument/2006/relationships" xmlns:p="http://schemas.openxmlformats.org/presentationml/2006/main">
-  <p:cSld>
-    <p:spTree>
-      <p:nvGrpSpPr>
-        <p:cNvPr id="1" name=""/>
-        <p:cNvGrpSpPr/>
-        <p:nvPr/>
-      </p:nvGrpSpPr>
-      <p:grpSpPr>
-        <a:xfrm>
-          <a:off x="0" y="0"/>
-          <a:ext cx="0" cy="0"/>
-          <a:chOff x="0" y="0"/>
-          <a:chExt cx="0" cy="0"/>
-        </a:xfrm>
-      </p:grpSpPr>
-      <p:sp>
-        <p:nvSpPr>
-          <p:cNvPr id="2" name="Title 1">
-            <a:extLst>
-              <a:ext uri="{FF2B5EF4-FFF2-40B4-BE49-F238E27FC236}">
                 <a16:creationId xmlns:a16="http://schemas.microsoft.com/office/drawing/2014/main" id="{5ADD812E-DFB5-DDF3-6369-7F73C7A21158}"/>
               </a:ext>
             </a:extLst>
@@ -4043,7 +3947,7 @@
 </p:sld>
 </file>
 
-<file path=ppt/slides/slide12.xml><?xml version="1.0" encoding="utf-8"?>
+<file path=ppt/slides/slide11.xml><?xml version="1.0" encoding="utf-8"?>
 <p:sld xmlns:a="http://schemas.openxmlformats.org/drawingml/2006/main" xmlns:r="http://schemas.openxmlformats.org/officeDocument/2006/relationships" xmlns:p="http://schemas.openxmlformats.org/presentationml/2006/main">
   <p:cSld>
     <p:spTree>
@@ -4591,7 +4495,7 @@
 </p:sld>
 </file>
 
-<file path=ppt/slides/slide13.xml><?xml version="1.0" encoding="utf-8"?>
+<file path=ppt/slides/slide12.xml><?xml version="1.0" encoding="utf-8"?>
 <p:sld xmlns:a="http://schemas.openxmlformats.org/drawingml/2006/main" xmlns:r="http://schemas.openxmlformats.org/officeDocument/2006/relationships" xmlns:p="http://schemas.openxmlformats.org/presentationml/2006/main">
   <p:cSld>
     <p:spTree>
@@ -4787,7 +4691,7 @@
 </p:sld>
 </file>
 
-<file path=ppt/slides/slide14.xml><?xml version="1.0" encoding="utf-8"?>
+<file path=ppt/slides/slide13.xml><?xml version="1.0" encoding="utf-8"?>
 <p:sld xmlns:a="http://schemas.openxmlformats.org/drawingml/2006/main" xmlns:r="http://schemas.openxmlformats.org/officeDocument/2006/relationships" xmlns:p="http://schemas.openxmlformats.org/presentationml/2006/main">
   <p:cSld>
     <p:spTree>
@@ -4955,7 +4859,7 @@
 </p:sld>
 </file>
 
-<file path=ppt/slides/slide15.xml><?xml version="1.0" encoding="utf-8"?>
+<file path=ppt/slides/slide14.xml><?xml version="1.0" encoding="utf-8"?>
 <p:sld xmlns:a="http://schemas.openxmlformats.org/drawingml/2006/main" xmlns:r="http://schemas.openxmlformats.org/officeDocument/2006/relationships" xmlns:p="http://schemas.openxmlformats.org/presentationml/2006/main">
   <p:cSld>
     <p:spTree>
@@ -5412,7 +5316,7 @@
 </p:sld>
 </file>
 
-<file path=ppt/slides/slide16.xml><?xml version="1.0" encoding="utf-8"?>
+<file path=ppt/slides/slide15.xml><?xml version="1.0" encoding="utf-8"?>
 <p:sld xmlns:a="http://schemas.openxmlformats.org/drawingml/2006/main" xmlns:r="http://schemas.openxmlformats.org/officeDocument/2006/relationships" xmlns:p="http://schemas.openxmlformats.org/presentationml/2006/main">
   <p:cSld>
     <p:spTree>
@@ -5968,7 +5872,7 @@
 </p:sld>
 </file>
 
-<file path=ppt/slides/slide17.xml><?xml version="1.0" encoding="utf-8"?>
+<file path=ppt/slides/slide16.xml><?xml version="1.0" encoding="utf-8"?>
 <p:sld xmlns:a="http://schemas.openxmlformats.org/drawingml/2006/main" xmlns:r="http://schemas.openxmlformats.org/officeDocument/2006/relationships" xmlns:p="http://schemas.openxmlformats.org/presentationml/2006/main">
   <p:cSld>
     <p:spTree>
@@ -6101,7 +6005,7 @@
 </p:sld>
 </file>
 
-<file path=ppt/slides/slide18.xml><?xml version="1.0" encoding="utf-8"?>
+<file path=ppt/slides/slide17.xml><?xml version="1.0" encoding="utf-8"?>
 <p:sld xmlns:a="http://schemas.openxmlformats.org/drawingml/2006/main" xmlns:r="http://schemas.openxmlformats.org/officeDocument/2006/relationships" xmlns:p="http://schemas.openxmlformats.org/presentationml/2006/main">
   <p:cSld>
     <p:spTree>
@@ -6857,7 +6761,7 @@
 </p:sld>
 </file>
 
-<file path=ppt/slides/slide19.xml><?xml version="1.0" encoding="utf-8"?>
+<file path=ppt/slides/slide18.xml><?xml version="1.0" encoding="utf-8"?>
 <p:sld xmlns:a="http://schemas.openxmlformats.org/drawingml/2006/main" xmlns:r="http://schemas.openxmlformats.org/officeDocument/2006/relationships" xmlns:p="http://schemas.openxmlformats.org/presentationml/2006/main">
   <p:cSld>
     <p:spTree>
@@ -7458,6 +7362,614 @@
 </p:sld>
 </file>
 
+<file path=ppt/slides/slide19.xml><?xml version="1.0" encoding="utf-8"?>
+<p:sld xmlns:a="http://schemas.openxmlformats.org/drawingml/2006/main" xmlns:r="http://schemas.openxmlformats.org/officeDocument/2006/relationships" xmlns:p="http://schemas.openxmlformats.org/presentationml/2006/main">
+  <p:cSld>
+    <p:spTree>
+      <p:nvGrpSpPr>
+        <p:cNvPr id="1" name="">
+          <a:extLst>
+            <a:ext uri="{FF2B5EF4-FFF2-40B4-BE49-F238E27FC236}">
+              <a16:creationId xmlns:a16="http://schemas.microsoft.com/office/drawing/2014/main" id="{99F7C2F0-8653-6A4F-B17D-A6AF77BD57CD}"/>
+            </a:ext>
+          </a:extLst>
+        </p:cNvPr>
+        <p:cNvGrpSpPr/>
+        <p:nvPr/>
+      </p:nvGrpSpPr>
+      <p:grpSpPr>
+        <a:xfrm>
+          <a:off x="0" y="0"/>
+          <a:ext cx="0" cy="0"/>
+          <a:chOff x="0" y="0"/>
+          <a:chExt cx="0" cy="0"/>
+        </a:xfrm>
+      </p:grpSpPr>
+      <p:sp>
+        <p:nvSpPr>
+          <p:cNvPr id="2" name="Title 1">
+            <a:extLst>
+              <a:ext uri="{FF2B5EF4-FFF2-40B4-BE49-F238E27FC236}">
+                <a16:creationId xmlns:a16="http://schemas.microsoft.com/office/drawing/2014/main" id="{F6880986-E85F-8233-8A06-CCFD193E97ED}"/>
+              </a:ext>
+            </a:extLst>
+          </p:cNvPr>
+          <p:cNvSpPr>
+            <a:spLocks noGrp="1"/>
+          </p:cNvSpPr>
+          <p:nvPr>
+            <p:ph type="title"/>
+          </p:nvPr>
+        </p:nvSpPr>
+        <p:spPr/>
+        <p:txBody>
+          <a:bodyPr/>
+          <a:lstStyle/>
+          <a:p>
+            <a:r>
+              <a:rPr lang="es-ES" dirty="0"/>
+              <a:t>Clases mas usadas en </a:t>
+            </a:r>
+            <a:r>
+              <a:rPr lang="es-ES" dirty="0" err="1"/>
+              <a:t>Collections</a:t>
+            </a:r>
+            <a:endParaRPr lang="es-EC" dirty="0"/>
+          </a:p>
+        </p:txBody>
+      </p:sp>
+      <p:sp>
+        <p:nvSpPr>
+          <p:cNvPr id="4" name="Rectangle 1">
+            <a:extLst>
+              <a:ext uri="{FF2B5EF4-FFF2-40B4-BE49-F238E27FC236}">
+                <a16:creationId xmlns:a16="http://schemas.microsoft.com/office/drawing/2014/main" id="{C3CCB526-7F0E-55BE-0AEE-56D73C673FAB}"/>
+              </a:ext>
+            </a:extLst>
+          </p:cNvPr>
+          <p:cNvSpPr>
+            <a:spLocks noGrp="1" noChangeArrowheads="1"/>
+          </p:cNvSpPr>
+          <p:nvPr>
+            <p:ph idx="1"/>
+          </p:nvPr>
+        </p:nvSpPr>
+        <p:spPr bwMode="auto">
+          <a:xfrm>
+            <a:off x="204788" y="2271932"/>
+            <a:ext cx="5763393" cy="3631763"/>
+          </a:xfrm>
+          <a:prstGeom prst="rect">
+            <a:avLst/>
+          </a:prstGeom>
+          <a:noFill/>
+          <a:ln>
+            <a:noFill/>
+          </a:ln>
+          <a:effectLst/>
+          <a:extLst>
+            <a:ext uri="{909E8E84-426E-40DD-AFC4-6F175D3DCCD1}">
+              <a14:hiddenFill xmlns:a14="http://schemas.microsoft.com/office/drawing/2010/main">
+                <a:solidFill>
+                  <a:schemeClr val="accent1"/>
+                </a:solidFill>
+              </a14:hiddenFill>
+            </a:ext>
+            <a:ext uri="{91240B29-F687-4F45-9708-019B960494DF}">
+              <a14:hiddenLine xmlns:a14="http://schemas.microsoft.com/office/drawing/2010/main" w="9525">
+                <a:solidFill>
+                  <a:schemeClr val="tx1"/>
+                </a:solidFill>
+                <a:miter lim="800000"/>
+                <a:headEnd/>
+                <a:tailEnd/>
+              </a14:hiddenLine>
+            </a:ext>
+            <a:ext uri="{AF507438-7753-43E0-B8FC-AC1667EBCBE1}">
+              <a14:hiddenEffects xmlns:a14="http://schemas.microsoft.com/office/drawing/2010/main">
+                <a:effectLst>
+                  <a:outerShdw dist="35921" dir="2700000" algn="ctr" rotWithShape="0">
+                    <a:schemeClr val="bg2"/>
+                  </a:outerShdw>
+                </a:effectLst>
+              </a14:hiddenEffects>
+            </a:ext>
+          </a:extLst>
+        </p:spPr>
+        <p:txBody>
+          <a:bodyPr vert="horz" wrap="square" lIns="91440" tIns="45720" rIns="91440" bIns="45720" numCol="1" anchor="ctr" anchorCtr="0" compatLnSpc="1">
+            <a:prstTxWarp prst="textNoShape">
+              <a:avLst/>
+            </a:prstTxWarp>
+            <a:spAutoFit/>
+          </a:bodyPr>
+          <a:lstStyle/>
+          <a:p>
+            <a:pPr marL="0" marR="0" lvl="0" indent="0" algn="l" defTabSz="914400" rtl="0" eaLnBrk="0" fontAlgn="base" latinLnBrk="0" hangingPunct="0">
+              <a:lnSpc>
+                <a:spcPct val="100000"/>
+              </a:lnSpc>
+              <a:spcBef>
+                <a:spcPct val="0"/>
+              </a:spcBef>
+              <a:spcAft>
+                <a:spcPct val="0"/>
+              </a:spcAft>
+              <a:buClrTx/>
+              <a:buSzTx/>
+              <a:buFontTx/>
+              <a:buChar char="•"/>
+              <a:tabLst/>
+            </a:pPr>
+            <a:r>
+              <a:rPr lang="en-US" altLang="en-US" sz="2400" b="1" dirty="0" err="1">
+                <a:latin typeface="Arial" panose="020B0604020202020204" pitchFamily="34" charset="0"/>
+              </a:rPr>
+              <a:t>ArrayList</a:t>
+            </a:r>
+            <a:r>
+              <a:rPr lang="en-US" altLang="en-US" sz="2400" dirty="0">
+                <a:latin typeface="Arial" panose="020B0604020202020204" pitchFamily="34" charset="0"/>
+              </a:rPr>
+              <a:t>:</a:t>
+            </a:r>
+          </a:p>
+          <a:p>
+            <a:pPr marL="457200" lvl="1" indent="0" eaLnBrk="0" fontAlgn="base" hangingPunct="0">
+              <a:lnSpc>
+                <a:spcPct val="100000"/>
+              </a:lnSpc>
+              <a:spcBef>
+                <a:spcPct val="0"/>
+              </a:spcBef>
+              <a:spcAft>
+                <a:spcPct val="0"/>
+              </a:spcAft>
+              <a:buFontTx/>
+              <a:buChar char="•"/>
+            </a:pPr>
+            <a:r>
+              <a:rPr lang="en-US" altLang="en-US" sz="2000" dirty="0" err="1">
+                <a:latin typeface="Arial" panose="020B0604020202020204" pitchFamily="34" charset="0"/>
+              </a:rPr>
+              <a:t>Implementación</a:t>
+            </a:r>
+            <a:r>
+              <a:rPr lang="en-US" altLang="en-US" sz="2000" dirty="0">
+                <a:latin typeface="Arial" panose="020B0604020202020204" pitchFamily="34" charset="0"/>
+              </a:rPr>
+              <a:t> de List </a:t>
+            </a:r>
+            <a:r>
+              <a:rPr lang="en-US" altLang="en-US" sz="2000" dirty="0" err="1">
+                <a:latin typeface="Arial" panose="020B0604020202020204" pitchFamily="34" charset="0"/>
+              </a:rPr>
+              <a:t>basada</a:t>
+            </a:r>
+            <a:r>
+              <a:rPr lang="en-US" altLang="en-US" sz="2000" dirty="0">
+                <a:latin typeface="Arial" panose="020B0604020202020204" pitchFamily="34" charset="0"/>
+              </a:rPr>
+              <a:t> </a:t>
+            </a:r>
+            <a:r>
+              <a:rPr lang="en-US" altLang="en-US" sz="2000" dirty="0" err="1">
+                <a:latin typeface="Arial" panose="020B0604020202020204" pitchFamily="34" charset="0"/>
+              </a:rPr>
+              <a:t>en</a:t>
+            </a:r>
+            <a:r>
+              <a:rPr lang="en-US" altLang="en-US" sz="2000" dirty="0">
+                <a:latin typeface="Arial" panose="020B0604020202020204" pitchFamily="34" charset="0"/>
+              </a:rPr>
+              <a:t> un array </a:t>
+            </a:r>
+            <a:r>
+              <a:rPr lang="en-US" altLang="en-US" sz="2000" dirty="0" err="1">
+                <a:latin typeface="Arial" panose="020B0604020202020204" pitchFamily="34" charset="0"/>
+              </a:rPr>
+              <a:t>redimensionable</a:t>
+            </a:r>
+            <a:r>
+              <a:rPr lang="en-US" altLang="en-US" sz="2000" dirty="0">
+                <a:latin typeface="Arial" panose="020B0604020202020204" pitchFamily="34" charset="0"/>
+              </a:rPr>
+              <a:t>.</a:t>
+            </a:r>
+          </a:p>
+          <a:p>
+            <a:pPr marL="457200" lvl="1" indent="0" eaLnBrk="0" fontAlgn="base" hangingPunct="0">
+              <a:lnSpc>
+                <a:spcPct val="100000"/>
+              </a:lnSpc>
+              <a:spcBef>
+                <a:spcPct val="0"/>
+              </a:spcBef>
+              <a:spcAft>
+                <a:spcPct val="0"/>
+              </a:spcAft>
+              <a:buFontTx/>
+              <a:buChar char="•"/>
+            </a:pPr>
+            <a:r>
+              <a:rPr lang="en-US" altLang="en-US" sz="2000" dirty="0">
+                <a:latin typeface="Arial" panose="020B0604020202020204" pitchFamily="34" charset="0"/>
+              </a:rPr>
+              <a:t>Ideal para </a:t>
+            </a:r>
+            <a:r>
+              <a:rPr lang="en-US" altLang="en-US" sz="2000" dirty="0" err="1">
+                <a:latin typeface="Arial" panose="020B0604020202020204" pitchFamily="34" charset="0"/>
+              </a:rPr>
+              <a:t>búsquedas</a:t>
+            </a:r>
+            <a:r>
+              <a:rPr lang="en-US" altLang="en-US" sz="2000" dirty="0">
+                <a:latin typeface="Arial" panose="020B0604020202020204" pitchFamily="34" charset="0"/>
+              </a:rPr>
+              <a:t> </a:t>
+            </a:r>
+            <a:r>
+              <a:rPr lang="en-US" altLang="en-US" sz="2000" dirty="0" err="1">
+                <a:latin typeface="Arial" panose="020B0604020202020204" pitchFamily="34" charset="0"/>
+              </a:rPr>
+              <a:t>rápidas</a:t>
+            </a:r>
+            <a:r>
+              <a:rPr lang="en-US" altLang="en-US" sz="2000" dirty="0">
+                <a:latin typeface="Arial" panose="020B0604020202020204" pitchFamily="34" charset="0"/>
+              </a:rPr>
+              <a:t>.</a:t>
+            </a:r>
+          </a:p>
+          <a:p>
+            <a:pPr marL="0" marR="0" lvl="0" indent="0" algn="l" defTabSz="914400" rtl="0" eaLnBrk="0" fontAlgn="base" latinLnBrk="0" hangingPunct="0">
+              <a:lnSpc>
+                <a:spcPct val="100000"/>
+              </a:lnSpc>
+              <a:spcBef>
+                <a:spcPct val="0"/>
+              </a:spcBef>
+              <a:spcAft>
+                <a:spcPct val="0"/>
+              </a:spcAft>
+              <a:buClrTx/>
+              <a:buSzTx/>
+              <a:buFontTx/>
+              <a:buChar char="•"/>
+              <a:tabLst/>
+            </a:pPr>
+            <a:r>
+              <a:rPr lang="en-US" altLang="en-US" sz="2400" b="1" dirty="0">
+                <a:latin typeface="Arial" panose="020B0604020202020204" pitchFamily="34" charset="0"/>
+              </a:rPr>
+              <a:t>HashSet</a:t>
+            </a:r>
+            <a:r>
+              <a:rPr lang="en-US" altLang="en-US" sz="2400" dirty="0">
+                <a:latin typeface="Arial" panose="020B0604020202020204" pitchFamily="34" charset="0"/>
+              </a:rPr>
+              <a:t>:</a:t>
+            </a:r>
+          </a:p>
+          <a:p>
+            <a:pPr marL="457200" lvl="1" indent="0" eaLnBrk="0" fontAlgn="base" hangingPunct="0">
+              <a:lnSpc>
+                <a:spcPct val="100000"/>
+              </a:lnSpc>
+              <a:spcBef>
+                <a:spcPct val="0"/>
+              </a:spcBef>
+              <a:spcAft>
+                <a:spcPct val="0"/>
+              </a:spcAft>
+              <a:buFontTx/>
+              <a:buChar char="•"/>
+            </a:pPr>
+            <a:r>
+              <a:rPr lang="en-US" altLang="en-US" sz="2000" dirty="0" err="1">
+                <a:latin typeface="Arial" panose="020B0604020202020204" pitchFamily="34" charset="0"/>
+              </a:rPr>
+              <a:t>Implementación</a:t>
+            </a:r>
+            <a:r>
+              <a:rPr lang="en-US" altLang="en-US" sz="2000" dirty="0">
+                <a:latin typeface="Arial" panose="020B0604020202020204" pitchFamily="34" charset="0"/>
+              </a:rPr>
+              <a:t> de Set </a:t>
+            </a:r>
+            <a:r>
+              <a:rPr lang="en-US" altLang="en-US" sz="2000" dirty="0" err="1">
+                <a:latin typeface="Arial" panose="020B0604020202020204" pitchFamily="34" charset="0"/>
+              </a:rPr>
+              <a:t>basada</a:t>
+            </a:r>
+            <a:r>
+              <a:rPr lang="en-US" altLang="en-US" sz="2000" dirty="0">
+                <a:latin typeface="Arial" panose="020B0604020202020204" pitchFamily="34" charset="0"/>
+              </a:rPr>
+              <a:t> </a:t>
+            </a:r>
+            <a:r>
+              <a:rPr lang="en-US" altLang="en-US" sz="2000" dirty="0" err="1">
+                <a:latin typeface="Arial" panose="020B0604020202020204" pitchFamily="34" charset="0"/>
+              </a:rPr>
+              <a:t>en</a:t>
+            </a:r>
+            <a:r>
+              <a:rPr lang="en-US" altLang="en-US" sz="2000" dirty="0">
+                <a:latin typeface="Arial" panose="020B0604020202020204" pitchFamily="34" charset="0"/>
+              </a:rPr>
+              <a:t> hash.</a:t>
+            </a:r>
+          </a:p>
+          <a:p>
+            <a:pPr marL="457200" lvl="1" indent="0" eaLnBrk="0" fontAlgn="base" hangingPunct="0">
+              <a:lnSpc>
+                <a:spcPct val="100000"/>
+              </a:lnSpc>
+              <a:spcBef>
+                <a:spcPct val="0"/>
+              </a:spcBef>
+              <a:spcAft>
+                <a:spcPct val="0"/>
+              </a:spcAft>
+              <a:buFontTx/>
+              <a:buChar char="•"/>
+            </a:pPr>
+            <a:r>
+              <a:rPr lang="en-US" altLang="en-US" sz="2000" dirty="0">
+                <a:latin typeface="Arial" panose="020B0604020202020204" pitchFamily="34" charset="0"/>
+              </a:rPr>
+              <a:t>No </a:t>
+            </a:r>
+            <a:r>
+              <a:rPr lang="en-US" altLang="en-US" sz="2000" dirty="0" err="1">
+                <a:latin typeface="Arial" panose="020B0604020202020204" pitchFamily="34" charset="0"/>
+              </a:rPr>
+              <a:t>permite</a:t>
+            </a:r>
+            <a:r>
+              <a:rPr lang="en-US" altLang="en-US" sz="2000" dirty="0">
+                <a:latin typeface="Arial" panose="020B0604020202020204" pitchFamily="34" charset="0"/>
+              </a:rPr>
+              <a:t> </a:t>
+            </a:r>
+            <a:r>
+              <a:rPr lang="en-US" altLang="en-US" sz="2000" dirty="0" err="1">
+                <a:latin typeface="Arial" panose="020B0604020202020204" pitchFamily="34" charset="0"/>
+              </a:rPr>
+              <a:t>elementos</a:t>
+            </a:r>
+            <a:r>
+              <a:rPr lang="en-US" altLang="en-US" sz="2000" dirty="0">
+                <a:latin typeface="Arial" panose="020B0604020202020204" pitchFamily="34" charset="0"/>
+              </a:rPr>
+              <a:t> </a:t>
+            </a:r>
+            <a:r>
+              <a:rPr lang="en-US" altLang="en-US" sz="2000" dirty="0" err="1">
+                <a:latin typeface="Arial" panose="020B0604020202020204" pitchFamily="34" charset="0"/>
+              </a:rPr>
+              <a:t>duplicados</a:t>
+            </a:r>
+            <a:r>
+              <a:rPr lang="en-US" altLang="en-US" sz="2000" dirty="0">
+                <a:latin typeface="Arial" panose="020B0604020202020204" pitchFamily="34" charset="0"/>
+              </a:rPr>
+              <a:t>.</a:t>
+            </a:r>
+          </a:p>
+          <a:p>
+            <a:pPr marL="0" marR="0" lvl="0" indent="0" algn="l" defTabSz="914400" rtl="0" eaLnBrk="0" fontAlgn="base" latinLnBrk="0" hangingPunct="0">
+              <a:lnSpc>
+                <a:spcPct val="100000"/>
+              </a:lnSpc>
+              <a:spcBef>
+                <a:spcPct val="0"/>
+              </a:spcBef>
+              <a:spcAft>
+                <a:spcPct val="0"/>
+              </a:spcAft>
+              <a:buClrTx/>
+              <a:buSzTx/>
+              <a:buFontTx/>
+              <a:buChar char="•"/>
+              <a:tabLst/>
+            </a:pPr>
+            <a:r>
+              <a:rPr lang="en-US" altLang="en-US" sz="2400" b="1" dirty="0">
+                <a:latin typeface="Arial" panose="020B0604020202020204" pitchFamily="34" charset="0"/>
+              </a:rPr>
+              <a:t>HashMap</a:t>
+            </a:r>
+            <a:r>
+              <a:rPr lang="en-US" altLang="en-US" sz="2400" dirty="0">
+                <a:latin typeface="Arial" panose="020B0604020202020204" pitchFamily="34" charset="0"/>
+              </a:rPr>
+              <a:t>:</a:t>
+            </a:r>
+          </a:p>
+          <a:p>
+            <a:pPr marL="457200" lvl="1" indent="0" eaLnBrk="0" fontAlgn="base" hangingPunct="0">
+              <a:lnSpc>
+                <a:spcPct val="100000"/>
+              </a:lnSpc>
+              <a:spcBef>
+                <a:spcPct val="0"/>
+              </a:spcBef>
+              <a:spcAft>
+                <a:spcPct val="0"/>
+              </a:spcAft>
+              <a:buFontTx/>
+              <a:buChar char="•"/>
+            </a:pPr>
+            <a:r>
+              <a:rPr lang="en-US" altLang="en-US" sz="2000" dirty="0" err="1">
+                <a:latin typeface="Arial" panose="020B0604020202020204" pitchFamily="34" charset="0"/>
+              </a:rPr>
+              <a:t>Almacena</a:t>
+            </a:r>
+            <a:r>
+              <a:rPr lang="en-US" altLang="en-US" sz="2000" dirty="0">
+                <a:latin typeface="Arial" panose="020B0604020202020204" pitchFamily="34" charset="0"/>
+              </a:rPr>
+              <a:t> pares clave-valor.</a:t>
+            </a:r>
+          </a:p>
+          <a:p>
+            <a:pPr marL="457200" lvl="1" indent="0" eaLnBrk="0" fontAlgn="base" hangingPunct="0">
+              <a:lnSpc>
+                <a:spcPct val="100000"/>
+              </a:lnSpc>
+              <a:spcBef>
+                <a:spcPct val="0"/>
+              </a:spcBef>
+              <a:spcAft>
+                <a:spcPct val="0"/>
+              </a:spcAft>
+              <a:buFontTx/>
+              <a:buChar char="•"/>
+            </a:pPr>
+            <a:r>
+              <a:rPr lang="en-US" altLang="en-US" sz="2000" dirty="0" err="1">
+                <a:latin typeface="Arial" panose="020B0604020202020204" pitchFamily="34" charset="0"/>
+              </a:rPr>
+              <a:t>Rápido</a:t>
+            </a:r>
+            <a:r>
+              <a:rPr lang="en-US" altLang="en-US" sz="2000" dirty="0">
+                <a:latin typeface="Arial" panose="020B0604020202020204" pitchFamily="34" charset="0"/>
+              </a:rPr>
+              <a:t> </a:t>
+            </a:r>
+            <a:r>
+              <a:rPr lang="en-US" altLang="en-US" sz="2000" dirty="0" err="1">
+                <a:latin typeface="Arial" panose="020B0604020202020204" pitchFamily="34" charset="0"/>
+              </a:rPr>
+              <a:t>acceso</a:t>
+            </a:r>
+            <a:r>
+              <a:rPr lang="en-US" altLang="en-US" sz="2000" dirty="0">
+                <a:latin typeface="Arial" panose="020B0604020202020204" pitchFamily="34" charset="0"/>
+              </a:rPr>
+              <a:t> </a:t>
+            </a:r>
+            <a:r>
+              <a:rPr lang="en-US" altLang="en-US" sz="2000" dirty="0" err="1">
+                <a:latin typeface="Arial" panose="020B0604020202020204" pitchFamily="34" charset="0"/>
+              </a:rPr>
+              <a:t>basado</a:t>
+            </a:r>
+            <a:r>
+              <a:rPr lang="en-US" altLang="en-US" sz="2000" dirty="0">
+                <a:latin typeface="Arial" panose="020B0604020202020204" pitchFamily="34" charset="0"/>
+              </a:rPr>
+              <a:t> </a:t>
+            </a:r>
+            <a:r>
+              <a:rPr lang="en-US" altLang="en-US" sz="2000" dirty="0" err="1">
+                <a:latin typeface="Arial" panose="020B0604020202020204" pitchFamily="34" charset="0"/>
+              </a:rPr>
+              <a:t>en</a:t>
+            </a:r>
+            <a:r>
+              <a:rPr lang="en-US" altLang="en-US" sz="2000" dirty="0">
+                <a:latin typeface="Arial" panose="020B0604020202020204" pitchFamily="34" charset="0"/>
+              </a:rPr>
+              <a:t> hash.</a:t>
+            </a:r>
+          </a:p>
+          <a:p>
+            <a:pPr marL="0" marR="0" lvl="0" indent="0" algn="l" defTabSz="914400" rtl="0" eaLnBrk="0" fontAlgn="base" latinLnBrk="0" hangingPunct="0">
+              <a:lnSpc>
+                <a:spcPct val="100000"/>
+              </a:lnSpc>
+              <a:spcBef>
+                <a:spcPct val="0"/>
+              </a:spcBef>
+              <a:spcAft>
+                <a:spcPct val="0"/>
+              </a:spcAft>
+              <a:buClrTx/>
+              <a:buSzTx/>
+              <a:buFontTx/>
+              <a:buNone/>
+              <a:tabLst/>
+            </a:pPr>
+            <a:endParaRPr kumimoji="0" lang="en-US" altLang="en-US" sz="1800" b="0" i="0" u="none" strike="noStrike" cap="none" normalizeH="0" baseline="0" dirty="0">
+              <a:ln>
+                <a:noFill/>
+              </a:ln>
+              <a:solidFill>
+                <a:schemeClr val="tx1"/>
+              </a:solidFill>
+              <a:effectLst/>
+              <a:latin typeface="Arial" panose="020B0604020202020204" pitchFamily="34" charset="0"/>
+            </a:endParaRPr>
+          </a:p>
+        </p:txBody>
+      </p:sp>
+      <p:pic>
+        <p:nvPicPr>
+          <p:cNvPr id="25605" name="Picture 5" descr="Recorrer un ArrayList en Java: conoce algunos métodos">
+            <a:extLst>
+              <a:ext uri="{FF2B5EF4-FFF2-40B4-BE49-F238E27FC236}">
+                <a16:creationId xmlns:a16="http://schemas.microsoft.com/office/drawing/2014/main" id="{434E9022-A3C8-FAA9-A860-7A7754306517}"/>
+              </a:ext>
+            </a:extLst>
+          </p:cNvPr>
+          <p:cNvPicPr>
+            <a:picLocks noChangeAspect="1" noChangeArrowheads="1"/>
+          </p:cNvPicPr>
+          <p:nvPr/>
+        </p:nvPicPr>
+        <p:blipFill>
+          <a:blip r:embed="rId2">
+            <a:extLst>
+              <a:ext uri="{28A0092B-C50C-407E-A947-70E740481C1C}">
+                <a14:useLocalDpi xmlns:a14="http://schemas.microsoft.com/office/drawing/2010/main" val="0"/>
+              </a:ext>
+            </a:extLst>
+          </a:blip>
+          <a:srcRect/>
+          <a:stretch>
+            <a:fillRect/>
+          </a:stretch>
+        </p:blipFill>
+        <p:spPr bwMode="auto">
+          <a:xfrm>
+            <a:off x="6861072" y="1468438"/>
+            <a:ext cx="3543300" cy="5238750"/>
+          </a:xfrm>
+          <a:prstGeom prst="rect">
+            <a:avLst/>
+          </a:prstGeom>
+          <a:noFill/>
+          <a:extLst>
+            <a:ext uri="{909E8E84-426E-40DD-AFC4-6F175D3DCCD1}">
+              <a14:hiddenFill xmlns:a14="http://schemas.microsoft.com/office/drawing/2010/main">
+                <a:solidFill>
+                  <a:srgbClr val="FFFFFF"/>
+                </a:solidFill>
+              </a14:hiddenFill>
+            </a:ext>
+          </a:extLst>
+        </p:spPr>
+      </p:pic>
+    </p:spTree>
+    <p:extLst>
+      <p:ext uri="{BB962C8B-B14F-4D97-AF65-F5344CB8AC3E}">
+        <p14:creationId xmlns:p14="http://schemas.microsoft.com/office/powerpoint/2010/main" val="2484551692"/>
+      </p:ext>
+    </p:extLst>
+  </p:cSld>
+  <p:clrMapOvr>
+    <a:masterClrMapping/>
+  </p:clrMapOvr>
+</p:sld>
+</file>
+
 <file path=ppt/slides/slide2.xml><?xml version="1.0" encoding="utf-8"?>
 <p:sld xmlns:a="http://schemas.openxmlformats.org/drawingml/2006/main" xmlns:r="http://schemas.openxmlformats.org/officeDocument/2006/relationships" xmlns:p="http://schemas.openxmlformats.org/presentationml/2006/main">
   <p:cSld>
@@ -7946,614 +8458,6 @@
   <p:cSld>
     <p:spTree>
       <p:nvGrpSpPr>
-        <p:cNvPr id="1" name="">
-          <a:extLst>
-            <a:ext uri="{FF2B5EF4-FFF2-40B4-BE49-F238E27FC236}">
-              <a16:creationId xmlns:a16="http://schemas.microsoft.com/office/drawing/2014/main" id="{99F7C2F0-8653-6A4F-B17D-A6AF77BD57CD}"/>
-            </a:ext>
-          </a:extLst>
-        </p:cNvPr>
-        <p:cNvGrpSpPr/>
-        <p:nvPr/>
-      </p:nvGrpSpPr>
-      <p:grpSpPr>
-        <a:xfrm>
-          <a:off x="0" y="0"/>
-          <a:ext cx="0" cy="0"/>
-          <a:chOff x="0" y="0"/>
-          <a:chExt cx="0" cy="0"/>
-        </a:xfrm>
-      </p:grpSpPr>
-      <p:sp>
-        <p:nvSpPr>
-          <p:cNvPr id="2" name="Title 1">
-            <a:extLst>
-              <a:ext uri="{FF2B5EF4-FFF2-40B4-BE49-F238E27FC236}">
-                <a16:creationId xmlns:a16="http://schemas.microsoft.com/office/drawing/2014/main" id="{F6880986-E85F-8233-8A06-CCFD193E97ED}"/>
-              </a:ext>
-            </a:extLst>
-          </p:cNvPr>
-          <p:cNvSpPr>
-            <a:spLocks noGrp="1"/>
-          </p:cNvSpPr>
-          <p:nvPr>
-            <p:ph type="title"/>
-          </p:nvPr>
-        </p:nvSpPr>
-        <p:spPr/>
-        <p:txBody>
-          <a:bodyPr/>
-          <a:lstStyle/>
-          <a:p>
-            <a:r>
-              <a:rPr lang="es-ES" dirty="0"/>
-              <a:t>Clases mas usadas en </a:t>
-            </a:r>
-            <a:r>
-              <a:rPr lang="es-ES" dirty="0" err="1"/>
-              <a:t>Collections</a:t>
-            </a:r>
-            <a:endParaRPr lang="es-EC" dirty="0"/>
-          </a:p>
-        </p:txBody>
-      </p:sp>
-      <p:sp>
-        <p:nvSpPr>
-          <p:cNvPr id="4" name="Rectangle 1">
-            <a:extLst>
-              <a:ext uri="{FF2B5EF4-FFF2-40B4-BE49-F238E27FC236}">
-                <a16:creationId xmlns:a16="http://schemas.microsoft.com/office/drawing/2014/main" id="{C3CCB526-7F0E-55BE-0AEE-56D73C673FAB}"/>
-              </a:ext>
-            </a:extLst>
-          </p:cNvPr>
-          <p:cNvSpPr>
-            <a:spLocks noGrp="1" noChangeArrowheads="1"/>
-          </p:cNvSpPr>
-          <p:nvPr>
-            <p:ph idx="1"/>
-          </p:nvPr>
-        </p:nvSpPr>
-        <p:spPr bwMode="auto">
-          <a:xfrm>
-            <a:off x="204788" y="2271932"/>
-            <a:ext cx="5763393" cy="3631763"/>
-          </a:xfrm>
-          <a:prstGeom prst="rect">
-            <a:avLst/>
-          </a:prstGeom>
-          <a:noFill/>
-          <a:ln>
-            <a:noFill/>
-          </a:ln>
-          <a:effectLst/>
-          <a:extLst>
-            <a:ext uri="{909E8E84-426E-40DD-AFC4-6F175D3DCCD1}">
-              <a14:hiddenFill xmlns:a14="http://schemas.microsoft.com/office/drawing/2010/main">
-                <a:solidFill>
-                  <a:schemeClr val="accent1"/>
-                </a:solidFill>
-              </a14:hiddenFill>
-            </a:ext>
-            <a:ext uri="{91240B29-F687-4F45-9708-019B960494DF}">
-              <a14:hiddenLine xmlns:a14="http://schemas.microsoft.com/office/drawing/2010/main" w="9525">
-                <a:solidFill>
-                  <a:schemeClr val="tx1"/>
-                </a:solidFill>
-                <a:miter lim="800000"/>
-                <a:headEnd/>
-                <a:tailEnd/>
-              </a14:hiddenLine>
-            </a:ext>
-            <a:ext uri="{AF507438-7753-43E0-B8FC-AC1667EBCBE1}">
-              <a14:hiddenEffects xmlns:a14="http://schemas.microsoft.com/office/drawing/2010/main">
-                <a:effectLst>
-                  <a:outerShdw dist="35921" dir="2700000" algn="ctr" rotWithShape="0">
-                    <a:schemeClr val="bg2"/>
-                  </a:outerShdw>
-                </a:effectLst>
-              </a14:hiddenEffects>
-            </a:ext>
-          </a:extLst>
-        </p:spPr>
-        <p:txBody>
-          <a:bodyPr vert="horz" wrap="square" lIns="91440" tIns="45720" rIns="91440" bIns="45720" numCol="1" anchor="ctr" anchorCtr="0" compatLnSpc="1">
-            <a:prstTxWarp prst="textNoShape">
-              <a:avLst/>
-            </a:prstTxWarp>
-            <a:spAutoFit/>
-          </a:bodyPr>
-          <a:lstStyle/>
-          <a:p>
-            <a:pPr marL="0" marR="0" lvl="0" indent="0" algn="l" defTabSz="914400" rtl="0" eaLnBrk="0" fontAlgn="base" latinLnBrk="0" hangingPunct="0">
-              <a:lnSpc>
-                <a:spcPct val="100000"/>
-              </a:lnSpc>
-              <a:spcBef>
-                <a:spcPct val="0"/>
-              </a:spcBef>
-              <a:spcAft>
-                <a:spcPct val="0"/>
-              </a:spcAft>
-              <a:buClrTx/>
-              <a:buSzTx/>
-              <a:buFontTx/>
-              <a:buChar char="•"/>
-              <a:tabLst/>
-            </a:pPr>
-            <a:r>
-              <a:rPr lang="en-US" altLang="en-US" sz="2400" b="1" dirty="0" err="1">
-                <a:latin typeface="Arial" panose="020B0604020202020204" pitchFamily="34" charset="0"/>
-              </a:rPr>
-              <a:t>ArrayList</a:t>
-            </a:r>
-            <a:r>
-              <a:rPr lang="en-US" altLang="en-US" sz="2400" dirty="0">
-                <a:latin typeface="Arial" panose="020B0604020202020204" pitchFamily="34" charset="0"/>
-              </a:rPr>
-              <a:t>:</a:t>
-            </a:r>
-          </a:p>
-          <a:p>
-            <a:pPr marL="457200" lvl="1" indent="0" eaLnBrk="0" fontAlgn="base" hangingPunct="0">
-              <a:lnSpc>
-                <a:spcPct val="100000"/>
-              </a:lnSpc>
-              <a:spcBef>
-                <a:spcPct val="0"/>
-              </a:spcBef>
-              <a:spcAft>
-                <a:spcPct val="0"/>
-              </a:spcAft>
-              <a:buFontTx/>
-              <a:buChar char="•"/>
-            </a:pPr>
-            <a:r>
-              <a:rPr lang="en-US" altLang="en-US" sz="2000" dirty="0" err="1">
-                <a:latin typeface="Arial" panose="020B0604020202020204" pitchFamily="34" charset="0"/>
-              </a:rPr>
-              <a:t>Implementación</a:t>
-            </a:r>
-            <a:r>
-              <a:rPr lang="en-US" altLang="en-US" sz="2000" dirty="0">
-                <a:latin typeface="Arial" panose="020B0604020202020204" pitchFamily="34" charset="0"/>
-              </a:rPr>
-              <a:t> de List </a:t>
-            </a:r>
-            <a:r>
-              <a:rPr lang="en-US" altLang="en-US" sz="2000" dirty="0" err="1">
-                <a:latin typeface="Arial" panose="020B0604020202020204" pitchFamily="34" charset="0"/>
-              </a:rPr>
-              <a:t>basada</a:t>
-            </a:r>
-            <a:r>
-              <a:rPr lang="en-US" altLang="en-US" sz="2000" dirty="0">
-                <a:latin typeface="Arial" panose="020B0604020202020204" pitchFamily="34" charset="0"/>
-              </a:rPr>
-              <a:t> </a:t>
-            </a:r>
-            <a:r>
-              <a:rPr lang="en-US" altLang="en-US" sz="2000" dirty="0" err="1">
-                <a:latin typeface="Arial" panose="020B0604020202020204" pitchFamily="34" charset="0"/>
-              </a:rPr>
-              <a:t>en</a:t>
-            </a:r>
-            <a:r>
-              <a:rPr lang="en-US" altLang="en-US" sz="2000" dirty="0">
-                <a:latin typeface="Arial" panose="020B0604020202020204" pitchFamily="34" charset="0"/>
-              </a:rPr>
-              <a:t> un array </a:t>
-            </a:r>
-            <a:r>
-              <a:rPr lang="en-US" altLang="en-US" sz="2000" dirty="0" err="1">
-                <a:latin typeface="Arial" panose="020B0604020202020204" pitchFamily="34" charset="0"/>
-              </a:rPr>
-              <a:t>redimensionable</a:t>
-            </a:r>
-            <a:r>
-              <a:rPr lang="en-US" altLang="en-US" sz="2000" dirty="0">
-                <a:latin typeface="Arial" panose="020B0604020202020204" pitchFamily="34" charset="0"/>
-              </a:rPr>
-              <a:t>.</a:t>
-            </a:r>
-          </a:p>
-          <a:p>
-            <a:pPr marL="457200" lvl="1" indent="0" eaLnBrk="0" fontAlgn="base" hangingPunct="0">
-              <a:lnSpc>
-                <a:spcPct val="100000"/>
-              </a:lnSpc>
-              <a:spcBef>
-                <a:spcPct val="0"/>
-              </a:spcBef>
-              <a:spcAft>
-                <a:spcPct val="0"/>
-              </a:spcAft>
-              <a:buFontTx/>
-              <a:buChar char="•"/>
-            </a:pPr>
-            <a:r>
-              <a:rPr lang="en-US" altLang="en-US" sz="2000" dirty="0">
-                <a:latin typeface="Arial" panose="020B0604020202020204" pitchFamily="34" charset="0"/>
-              </a:rPr>
-              <a:t>Ideal para </a:t>
-            </a:r>
-            <a:r>
-              <a:rPr lang="en-US" altLang="en-US" sz="2000" dirty="0" err="1">
-                <a:latin typeface="Arial" panose="020B0604020202020204" pitchFamily="34" charset="0"/>
-              </a:rPr>
-              <a:t>búsquedas</a:t>
-            </a:r>
-            <a:r>
-              <a:rPr lang="en-US" altLang="en-US" sz="2000" dirty="0">
-                <a:latin typeface="Arial" panose="020B0604020202020204" pitchFamily="34" charset="0"/>
-              </a:rPr>
-              <a:t> </a:t>
-            </a:r>
-            <a:r>
-              <a:rPr lang="en-US" altLang="en-US" sz="2000" dirty="0" err="1">
-                <a:latin typeface="Arial" panose="020B0604020202020204" pitchFamily="34" charset="0"/>
-              </a:rPr>
-              <a:t>rápidas</a:t>
-            </a:r>
-            <a:r>
-              <a:rPr lang="en-US" altLang="en-US" sz="2000" dirty="0">
-                <a:latin typeface="Arial" panose="020B0604020202020204" pitchFamily="34" charset="0"/>
-              </a:rPr>
-              <a:t>.</a:t>
-            </a:r>
-          </a:p>
-          <a:p>
-            <a:pPr marL="0" marR="0" lvl="0" indent="0" algn="l" defTabSz="914400" rtl="0" eaLnBrk="0" fontAlgn="base" latinLnBrk="0" hangingPunct="0">
-              <a:lnSpc>
-                <a:spcPct val="100000"/>
-              </a:lnSpc>
-              <a:spcBef>
-                <a:spcPct val="0"/>
-              </a:spcBef>
-              <a:spcAft>
-                <a:spcPct val="0"/>
-              </a:spcAft>
-              <a:buClrTx/>
-              <a:buSzTx/>
-              <a:buFontTx/>
-              <a:buChar char="•"/>
-              <a:tabLst/>
-            </a:pPr>
-            <a:r>
-              <a:rPr lang="en-US" altLang="en-US" sz="2400" b="1" dirty="0">
-                <a:latin typeface="Arial" panose="020B0604020202020204" pitchFamily="34" charset="0"/>
-              </a:rPr>
-              <a:t>HashSet</a:t>
-            </a:r>
-            <a:r>
-              <a:rPr lang="en-US" altLang="en-US" sz="2400" dirty="0">
-                <a:latin typeface="Arial" panose="020B0604020202020204" pitchFamily="34" charset="0"/>
-              </a:rPr>
-              <a:t>:</a:t>
-            </a:r>
-          </a:p>
-          <a:p>
-            <a:pPr marL="457200" lvl="1" indent="0" eaLnBrk="0" fontAlgn="base" hangingPunct="0">
-              <a:lnSpc>
-                <a:spcPct val="100000"/>
-              </a:lnSpc>
-              <a:spcBef>
-                <a:spcPct val="0"/>
-              </a:spcBef>
-              <a:spcAft>
-                <a:spcPct val="0"/>
-              </a:spcAft>
-              <a:buFontTx/>
-              <a:buChar char="•"/>
-            </a:pPr>
-            <a:r>
-              <a:rPr lang="en-US" altLang="en-US" sz="2000" dirty="0" err="1">
-                <a:latin typeface="Arial" panose="020B0604020202020204" pitchFamily="34" charset="0"/>
-              </a:rPr>
-              <a:t>Implementación</a:t>
-            </a:r>
-            <a:r>
-              <a:rPr lang="en-US" altLang="en-US" sz="2000" dirty="0">
-                <a:latin typeface="Arial" panose="020B0604020202020204" pitchFamily="34" charset="0"/>
-              </a:rPr>
-              <a:t> de Set </a:t>
-            </a:r>
-            <a:r>
-              <a:rPr lang="en-US" altLang="en-US" sz="2000" dirty="0" err="1">
-                <a:latin typeface="Arial" panose="020B0604020202020204" pitchFamily="34" charset="0"/>
-              </a:rPr>
-              <a:t>basada</a:t>
-            </a:r>
-            <a:r>
-              <a:rPr lang="en-US" altLang="en-US" sz="2000" dirty="0">
-                <a:latin typeface="Arial" panose="020B0604020202020204" pitchFamily="34" charset="0"/>
-              </a:rPr>
-              <a:t> </a:t>
-            </a:r>
-            <a:r>
-              <a:rPr lang="en-US" altLang="en-US" sz="2000" dirty="0" err="1">
-                <a:latin typeface="Arial" panose="020B0604020202020204" pitchFamily="34" charset="0"/>
-              </a:rPr>
-              <a:t>en</a:t>
-            </a:r>
-            <a:r>
-              <a:rPr lang="en-US" altLang="en-US" sz="2000" dirty="0">
-                <a:latin typeface="Arial" panose="020B0604020202020204" pitchFamily="34" charset="0"/>
-              </a:rPr>
-              <a:t> hash.</a:t>
-            </a:r>
-          </a:p>
-          <a:p>
-            <a:pPr marL="457200" lvl="1" indent="0" eaLnBrk="0" fontAlgn="base" hangingPunct="0">
-              <a:lnSpc>
-                <a:spcPct val="100000"/>
-              </a:lnSpc>
-              <a:spcBef>
-                <a:spcPct val="0"/>
-              </a:spcBef>
-              <a:spcAft>
-                <a:spcPct val="0"/>
-              </a:spcAft>
-              <a:buFontTx/>
-              <a:buChar char="•"/>
-            </a:pPr>
-            <a:r>
-              <a:rPr lang="en-US" altLang="en-US" sz="2000" dirty="0">
-                <a:latin typeface="Arial" panose="020B0604020202020204" pitchFamily="34" charset="0"/>
-              </a:rPr>
-              <a:t>No </a:t>
-            </a:r>
-            <a:r>
-              <a:rPr lang="en-US" altLang="en-US" sz="2000" dirty="0" err="1">
-                <a:latin typeface="Arial" panose="020B0604020202020204" pitchFamily="34" charset="0"/>
-              </a:rPr>
-              <a:t>permite</a:t>
-            </a:r>
-            <a:r>
-              <a:rPr lang="en-US" altLang="en-US" sz="2000" dirty="0">
-                <a:latin typeface="Arial" panose="020B0604020202020204" pitchFamily="34" charset="0"/>
-              </a:rPr>
-              <a:t> </a:t>
-            </a:r>
-            <a:r>
-              <a:rPr lang="en-US" altLang="en-US" sz="2000" dirty="0" err="1">
-                <a:latin typeface="Arial" panose="020B0604020202020204" pitchFamily="34" charset="0"/>
-              </a:rPr>
-              <a:t>elementos</a:t>
-            </a:r>
-            <a:r>
-              <a:rPr lang="en-US" altLang="en-US" sz="2000" dirty="0">
-                <a:latin typeface="Arial" panose="020B0604020202020204" pitchFamily="34" charset="0"/>
-              </a:rPr>
-              <a:t> </a:t>
-            </a:r>
-            <a:r>
-              <a:rPr lang="en-US" altLang="en-US" sz="2000" dirty="0" err="1">
-                <a:latin typeface="Arial" panose="020B0604020202020204" pitchFamily="34" charset="0"/>
-              </a:rPr>
-              <a:t>duplicados</a:t>
-            </a:r>
-            <a:r>
-              <a:rPr lang="en-US" altLang="en-US" sz="2000" dirty="0">
-                <a:latin typeface="Arial" panose="020B0604020202020204" pitchFamily="34" charset="0"/>
-              </a:rPr>
-              <a:t>.</a:t>
-            </a:r>
-          </a:p>
-          <a:p>
-            <a:pPr marL="0" marR="0" lvl="0" indent="0" algn="l" defTabSz="914400" rtl="0" eaLnBrk="0" fontAlgn="base" latinLnBrk="0" hangingPunct="0">
-              <a:lnSpc>
-                <a:spcPct val="100000"/>
-              </a:lnSpc>
-              <a:spcBef>
-                <a:spcPct val="0"/>
-              </a:spcBef>
-              <a:spcAft>
-                <a:spcPct val="0"/>
-              </a:spcAft>
-              <a:buClrTx/>
-              <a:buSzTx/>
-              <a:buFontTx/>
-              <a:buChar char="•"/>
-              <a:tabLst/>
-            </a:pPr>
-            <a:r>
-              <a:rPr lang="en-US" altLang="en-US" sz="2400" b="1" dirty="0">
-                <a:latin typeface="Arial" panose="020B0604020202020204" pitchFamily="34" charset="0"/>
-              </a:rPr>
-              <a:t>HashMap</a:t>
-            </a:r>
-            <a:r>
-              <a:rPr lang="en-US" altLang="en-US" sz="2400" dirty="0">
-                <a:latin typeface="Arial" panose="020B0604020202020204" pitchFamily="34" charset="0"/>
-              </a:rPr>
-              <a:t>:</a:t>
-            </a:r>
-          </a:p>
-          <a:p>
-            <a:pPr marL="457200" lvl="1" indent="0" eaLnBrk="0" fontAlgn="base" hangingPunct="0">
-              <a:lnSpc>
-                <a:spcPct val="100000"/>
-              </a:lnSpc>
-              <a:spcBef>
-                <a:spcPct val="0"/>
-              </a:spcBef>
-              <a:spcAft>
-                <a:spcPct val="0"/>
-              </a:spcAft>
-              <a:buFontTx/>
-              <a:buChar char="•"/>
-            </a:pPr>
-            <a:r>
-              <a:rPr lang="en-US" altLang="en-US" sz="2000" dirty="0" err="1">
-                <a:latin typeface="Arial" panose="020B0604020202020204" pitchFamily="34" charset="0"/>
-              </a:rPr>
-              <a:t>Almacena</a:t>
-            </a:r>
-            <a:r>
-              <a:rPr lang="en-US" altLang="en-US" sz="2000" dirty="0">
-                <a:latin typeface="Arial" panose="020B0604020202020204" pitchFamily="34" charset="0"/>
-              </a:rPr>
-              <a:t> pares clave-valor.</a:t>
-            </a:r>
-          </a:p>
-          <a:p>
-            <a:pPr marL="457200" lvl="1" indent="0" eaLnBrk="0" fontAlgn="base" hangingPunct="0">
-              <a:lnSpc>
-                <a:spcPct val="100000"/>
-              </a:lnSpc>
-              <a:spcBef>
-                <a:spcPct val="0"/>
-              </a:spcBef>
-              <a:spcAft>
-                <a:spcPct val="0"/>
-              </a:spcAft>
-              <a:buFontTx/>
-              <a:buChar char="•"/>
-            </a:pPr>
-            <a:r>
-              <a:rPr lang="en-US" altLang="en-US" sz="2000" dirty="0" err="1">
-                <a:latin typeface="Arial" panose="020B0604020202020204" pitchFamily="34" charset="0"/>
-              </a:rPr>
-              <a:t>Rápido</a:t>
-            </a:r>
-            <a:r>
-              <a:rPr lang="en-US" altLang="en-US" sz="2000" dirty="0">
-                <a:latin typeface="Arial" panose="020B0604020202020204" pitchFamily="34" charset="0"/>
-              </a:rPr>
-              <a:t> </a:t>
-            </a:r>
-            <a:r>
-              <a:rPr lang="en-US" altLang="en-US" sz="2000" dirty="0" err="1">
-                <a:latin typeface="Arial" panose="020B0604020202020204" pitchFamily="34" charset="0"/>
-              </a:rPr>
-              <a:t>acceso</a:t>
-            </a:r>
-            <a:r>
-              <a:rPr lang="en-US" altLang="en-US" sz="2000" dirty="0">
-                <a:latin typeface="Arial" panose="020B0604020202020204" pitchFamily="34" charset="0"/>
-              </a:rPr>
-              <a:t> </a:t>
-            </a:r>
-            <a:r>
-              <a:rPr lang="en-US" altLang="en-US" sz="2000" dirty="0" err="1">
-                <a:latin typeface="Arial" panose="020B0604020202020204" pitchFamily="34" charset="0"/>
-              </a:rPr>
-              <a:t>basado</a:t>
-            </a:r>
-            <a:r>
-              <a:rPr lang="en-US" altLang="en-US" sz="2000" dirty="0">
-                <a:latin typeface="Arial" panose="020B0604020202020204" pitchFamily="34" charset="0"/>
-              </a:rPr>
-              <a:t> </a:t>
-            </a:r>
-            <a:r>
-              <a:rPr lang="en-US" altLang="en-US" sz="2000" dirty="0" err="1">
-                <a:latin typeface="Arial" panose="020B0604020202020204" pitchFamily="34" charset="0"/>
-              </a:rPr>
-              <a:t>en</a:t>
-            </a:r>
-            <a:r>
-              <a:rPr lang="en-US" altLang="en-US" sz="2000" dirty="0">
-                <a:latin typeface="Arial" panose="020B0604020202020204" pitchFamily="34" charset="0"/>
-              </a:rPr>
-              <a:t> hash.</a:t>
-            </a:r>
-          </a:p>
-          <a:p>
-            <a:pPr marL="0" marR="0" lvl="0" indent="0" algn="l" defTabSz="914400" rtl="0" eaLnBrk="0" fontAlgn="base" latinLnBrk="0" hangingPunct="0">
-              <a:lnSpc>
-                <a:spcPct val="100000"/>
-              </a:lnSpc>
-              <a:spcBef>
-                <a:spcPct val="0"/>
-              </a:spcBef>
-              <a:spcAft>
-                <a:spcPct val="0"/>
-              </a:spcAft>
-              <a:buClrTx/>
-              <a:buSzTx/>
-              <a:buFontTx/>
-              <a:buNone/>
-              <a:tabLst/>
-            </a:pPr>
-            <a:endParaRPr kumimoji="0" lang="en-US" altLang="en-US" sz="1800" b="0" i="0" u="none" strike="noStrike" cap="none" normalizeH="0" baseline="0" dirty="0">
-              <a:ln>
-                <a:noFill/>
-              </a:ln>
-              <a:solidFill>
-                <a:schemeClr val="tx1"/>
-              </a:solidFill>
-              <a:effectLst/>
-              <a:latin typeface="Arial" panose="020B0604020202020204" pitchFamily="34" charset="0"/>
-            </a:endParaRPr>
-          </a:p>
-        </p:txBody>
-      </p:sp>
-      <p:pic>
-        <p:nvPicPr>
-          <p:cNvPr id="25605" name="Picture 5" descr="Recorrer un ArrayList en Java: conoce algunos métodos">
-            <a:extLst>
-              <a:ext uri="{FF2B5EF4-FFF2-40B4-BE49-F238E27FC236}">
-                <a16:creationId xmlns:a16="http://schemas.microsoft.com/office/drawing/2014/main" id="{434E9022-A3C8-FAA9-A860-7A7754306517}"/>
-              </a:ext>
-            </a:extLst>
-          </p:cNvPr>
-          <p:cNvPicPr>
-            <a:picLocks noChangeAspect="1" noChangeArrowheads="1"/>
-          </p:cNvPicPr>
-          <p:nvPr/>
-        </p:nvPicPr>
-        <p:blipFill>
-          <a:blip r:embed="rId2">
-            <a:extLst>
-              <a:ext uri="{28A0092B-C50C-407E-A947-70E740481C1C}">
-                <a14:useLocalDpi xmlns:a14="http://schemas.microsoft.com/office/drawing/2010/main" val="0"/>
-              </a:ext>
-            </a:extLst>
-          </a:blip>
-          <a:srcRect/>
-          <a:stretch>
-            <a:fillRect/>
-          </a:stretch>
-        </p:blipFill>
-        <p:spPr bwMode="auto">
-          <a:xfrm>
-            <a:off x="6861072" y="1468438"/>
-            <a:ext cx="3543300" cy="5238750"/>
-          </a:xfrm>
-          <a:prstGeom prst="rect">
-            <a:avLst/>
-          </a:prstGeom>
-          <a:noFill/>
-          <a:extLst>
-            <a:ext uri="{909E8E84-426E-40DD-AFC4-6F175D3DCCD1}">
-              <a14:hiddenFill xmlns:a14="http://schemas.microsoft.com/office/drawing/2010/main">
-                <a:solidFill>
-                  <a:srgbClr val="FFFFFF"/>
-                </a:solidFill>
-              </a14:hiddenFill>
-            </a:ext>
-          </a:extLst>
-        </p:spPr>
-      </p:pic>
-    </p:spTree>
-    <p:extLst>
-      <p:ext uri="{BB962C8B-B14F-4D97-AF65-F5344CB8AC3E}">
-        <p14:creationId xmlns:p14="http://schemas.microsoft.com/office/powerpoint/2010/main" val="2484551692"/>
-      </p:ext>
-    </p:extLst>
-  </p:cSld>
-  <p:clrMapOvr>
-    <a:masterClrMapping/>
-  </p:clrMapOvr>
-</p:sld>
-</file>
-
-<file path=ppt/slides/slide21.xml><?xml version="1.0" encoding="utf-8"?>
-<p:sld xmlns:a="http://schemas.openxmlformats.org/drawingml/2006/main" xmlns:r="http://schemas.openxmlformats.org/officeDocument/2006/relationships" xmlns:p="http://schemas.openxmlformats.org/presentationml/2006/main">
-  <p:cSld>
-    <p:spTree>
-      <p:nvGrpSpPr>
         <p:cNvPr id="1" name=""/>
         <p:cNvGrpSpPr/>
         <p:nvPr/>
@@ -8928,7 +8832,7 @@
 </p:sld>
 </file>
 
-<file path=ppt/slides/slide22.xml><?xml version="1.0" encoding="utf-8"?>
+<file path=ppt/slides/slide21.xml><?xml version="1.0" encoding="utf-8"?>
 <p:sld xmlns:a="http://schemas.openxmlformats.org/drawingml/2006/main" xmlns:r="http://schemas.openxmlformats.org/officeDocument/2006/relationships" xmlns:p="http://schemas.openxmlformats.org/presentationml/2006/main">
   <p:cSld>
     <p:spTree>
@@ -9853,7 +9757,7 @@
 </p:sld>
 </file>
 
-<file path=ppt/slides/slide23.xml><?xml version="1.0" encoding="utf-8"?>
+<file path=ppt/slides/slide22.xml><?xml version="1.0" encoding="utf-8"?>
 <p:sld xmlns:a="http://schemas.openxmlformats.org/drawingml/2006/main" xmlns:r="http://schemas.openxmlformats.org/officeDocument/2006/relationships" xmlns:p="http://schemas.openxmlformats.org/presentationml/2006/main">
   <p:cSld>
     <p:spTree>
@@ -10516,7 +10420,7 @@
 </p:sld>
 </file>
 
-<file path=ppt/slides/slide24.xml><?xml version="1.0" encoding="utf-8"?>
+<file path=ppt/slides/slide23.xml><?xml version="1.0" encoding="utf-8"?>
 <p:sld xmlns:a="http://schemas.openxmlformats.org/drawingml/2006/main" xmlns:r="http://schemas.openxmlformats.org/officeDocument/2006/relationships" xmlns:p="http://schemas.openxmlformats.org/presentationml/2006/main">
   <p:cSld>
     <p:spTree>
@@ -11065,7 +10969,7 @@
 </p:sld>
 </file>
 
-<file path=ppt/slides/slide25.xml><?xml version="1.0" encoding="utf-8"?>
+<file path=ppt/slides/slide24.xml><?xml version="1.0" encoding="utf-8"?>
 <p:sld xmlns:a="http://schemas.openxmlformats.org/drawingml/2006/main" xmlns:r="http://schemas.openxmlformats.org/officeDocument/2006/relationships" xmlns:p="http://schemas.openxmlformats.org/presentationml/2006/main">
   <p:cSld>
     <p:spTree>
@@ -11351,7 +11255,7 @@
 </p:sld>
 </file>
 
-<file path=ppt/slides/slide26.xml><?xml version="1.0" encoding="utf-8"?>
+<file path=ppt/slides/slide25.xml><?xml version="1.0" encoding="utf-8"?>
 <p:sld xmlns:a="http://schemas.openxmlformats.org/drawingml/2006/main" xmlns:r="http://schemas.openxmlformats.org/officeDocument/2006/relationships" xmlns:p="http://schemas.openxmlformats.org/presentationml/2006/main">
   <p:cSld>
     <p:spTree>
@@ -12006,7 +11910,7 @@
 </p:sld>
 </file>
 
-<file path=ppt/slides/slide27.xml><?xml version="1.0" encoding="utf-8"?>
+<file path=ppt/slides/slide26.xml><?xml version="1.0" encoding="utf-8"?>
 <p:sld xmlns:a="http://schemas.openxmlformats.org/drawingml/2006/main" xmlns:r="http://schemas.openxmlformats.org/officeDocument/2006/relationships" xmlns:p="http://schemas.openxmlformats.org/presentationml/2006/main">
   <p:cSld>
     <p:spTree>
@@ -12447,7 +12351,7 @@
 </p:sld>
 </file>
 
-<file path=ppt/slides/slide28.xml><?xml version="1.0" encoding="utf-8"?>
+<file path=ppt/slides/slide27.xml><?xml version="1.0" encoding="utf-8"?>
 <p:sld xmlns:a="http://schemas.openxmlformats.org/drawingml/2006/main" xmlns:r="http://schemas.openxmlformats.org/officeDocument/2006/relationships" xmlns:p="http://schemas.openxmlformats.org/presentationml/2006/main">
   <p:cSld>
     <p:spTree>
@@ -12947,7 +12851,7 @@
 </p:sld>
 </file>
 
-<file path=ppt/slides/slide29.xml><?xml version="1.0" encoding="utf-8"?>
+<file path=ppt/slides/slide28.xml><?xml version="1.0" encoding="utf-8"?>
 <p:sld xmlns:a="http://schemas.openxmlformats.org/drawingml/2006/main" xmlns:r="http://schemas.openxmlformats.org/officeDocument/2006/relationships" xmlns:p="http://schemas.openxmlformats.org/presentationml/2006/main">
   <p:cSld>
     <p:spTree>
@@ -13331,6 +13235,233 @@
 </p:sld>
 </file>
 
+<file path=ppt/slides/slide29.xml><?xml version="1.0" encoding="utf-8"?>
+<p:sld xmlns:a="http://schemas.openxmlformats.org/drawingml/2006/main" xmlns:r="http://schemas.openxmlformats.org/officeDocument/2006/relationships" xmlns:p="http://schemas.openxmlformats.org/presentationml/2006/main">
+  <p:cSld>
+    <p:spTree>
+      <p:nvGrpSpPr>
+        <p:cNvPr id="1" name=""/>
+        <p:cNvGrpSpPr/>
+        <p:nvPr/>
+      </p:nvGrpSpPr>
+      <p:grpSpPr>
+        <a:xfrm>
+          <a:off x="0" y="0"/>
+          <a:ext cx="0" cy="0"/>
+          <a:chOff x="0" y="0"/>
+          <a:chExt cx="0" cy="0"/>
+        </a:xfrm>
+      </p:grpSpPr>
+      <p:sp>
+        <p:nvSpPr>
+          <p:cNvPr id="2" name="Title 1">
+            <a:extLst>
+              <a:ext uri="{FF2B5EF4-FFF2-40B4-BE49-F238E27FC236}">
+                <a16:creationId xmlns:a16="http://schemas.microsoft.com/office/drawing/2014/main" id="{211831C6-A3AF-7AA3-54A0-F21B6BEED64E}"/>
+              </a:ext>
+            </a:extLst>
+          </p:cNvPr>
+          <p:cNvSpPr>
+            <a:spLocks noGrp="1"/>
+          </p:cNvSpPr>
+          <p:nvPr>
+            <p:ph type="title"/>
+          </p:nvPr>
+        </p:nvSpPr>
+        <p:spPr/>
+        <p:txBody>
+          <a:bodyPr/>
+          <a:lstStyle/>
+          <a:p>
+            <a:r>
+              <a:rPr lang="en-US" dirty="0" err="1"/>
+              <a:t>Hilos</a:t>
+            </a:r>
+            <a:r>
+              <a:rPr lang="en-US" dirty="0"/>
+              <a:t> </a:t>
+            </a:r>
+            <a:r>
+              <a:rPr lang="en-US" dirty="0" err="1"/>
+              <a:t>Concurrentes</a:t>
+            </a:r>
+            <a:endParaRPr lang="es-EC" dirty="0"/>
+          </a:p>
+        </p:txBody>
+      </p:sp>
+      <p:sp>
+        <p:nvSpPr>
+          <p:cNvPr id="3" name="Content Placeholder 2">
+            <a:extLst>
+              <a:ext uri="{FF2B5EF4-FFF2-40B4-BE49-F238E27FC236}">
+                <a16:creationId xmlns:a16="http://schemas.microsoft.com/office/drawing/2014/main" id="{3EE5860A-3782-FD72-4041-A26F1B57F499}"/>
+              </a:ext>
+            </a:extLst>
+          </p:cNvPr>
+          <p:cNvSpPr>
+            <a:spLocks noGrp="1"/>
+          </p:cNvSpPr>
+          <p:nvPr>
+            <p:ph idx="1"/>
+          </p:nvPr>
+        </p:nvSpPr>
+        <p:spPr>
+          <a:xfrm>
+            <a:off x="425245" y="1825625"/>
+            <a:ext cx="3330677" cy="4351338"/>
+          </a:xfrm>
+        </p:spPr>
+        <p:txBody>
+          <a:bodyPr>
+            <a:normAutofit lnSpcReduction="10000"/>
+          </a:bodyPr>
+          <a:lstStyle/>
+          <a:p>
+            <a:pPr>
+              <a:buFont typeface="Arial" panose="020B0604020202020204" pitchFamily="34" charset="0"/>
+              <a:buChar char="•"/>
+            </a:pPr>
+            <a:r>
+              <a:rPr lang="es-ES" dirty="0"/>
+              <a:t>Crear un programa que use hilos para realizar tres tareas en </a:t>
+            </a:r>
+            <a:r>
+              <a:rPr lang="es-ES" dirty="0" err="1"/>
+              <a:t>paralelo:Imprimir</a:t>
+            </a:r>
+            <a:r>
+              <a:rPr lang="es-ES" dirty="0"/>
+              <a:t> números del 1 al 5.</a:t>
+            </a:r>
+          </a:p>
+          <a:p>
+            <a:pPr>
+              <a:buFont typeface="Arial" panose="020B0604020202020204" pitchFamily="34" charset="0"/>
+              <a:buChar char="•"/>
+            </a:pPr>
+            <a:r>
+              <a:rPr lang="es-ES" dirty="0"/>
+              <a:t>Imprimir letras de 'A' a 'E'.</a:t>
+            </a:r>
+          </a:p>
+          <a:p>
+            <a:pPr>
+              <a:buFont typeface="Arial" panose="020B0604020202020204" pitchFamily="34" charset="0"/>
+              <a:buChar char="•"/>
+            </a:pPr>
+            <a:r>
+              <a:rPr lang="es-ES" dirty="0"/>
+              <a:t>Mostrar un mensaje fijo cinco veces.</a:t>
+            </a:r>
+          </a:p>
+          <a:p>
+            <a:endParaRPr lang="es-EC" dirty="0"/>
+          </a:p>
+        </p:txBody>
+      </p:sp>
+      <p:pic>
+        <p:nvPicPr>
+          <p:cNvPr id="5" name="Picture 4">
+            <a:extLst>
+              <a:ext uri="{FF2B5EF4-FFF2-40B4-BE49-F238E27FC236}">
+                <a16:creationId xmlns:a16="http://schemas.microsoft.com/office/drawing/2014/main" id="{C3808D0F-78B8-CDD7-F479-081EB6504A83}"/>
+              </a:ext>
+            </a:extLst>
+          </p:cNvPr>
+          <p:cNvPicPr>
+            <a:picLocks noChangeAspect="1"/>
+          </p:cNvPicPr>
+          <p:nvPr/>
+        </p:nvPicPr>
+        <p:blipFill>
+          <a:blip r:embed="rId2"/>
+          <a:stretch>
+            <a:fillRect/>
+          </a:stretch>
+        </p:blipFill>
+        <p:spPr>
+          <a:xfrm>
+            <a:off x="4041058" y="1396361"/>
+            <a:ext cx="3741744" cy="1508891"/>
+          </a:xfrm>
+          <a:prstGeom prst="rect">
+            <a:avLst/>
+          </a:prstGeom>
+        </p:spPr>
+      </p:pic>
+      <p:pic>
+        <p:nvPicPr>
+          <p:cNvPr id="7" name="Picture 6">
+            <a:extLst>
+              <a:ext uri="{FF2B5EF4-FFF2-40B4-BE49-F238E27FC236}">
+                <a16:creationId xmlns:a16="http://schemas.microsoft.com/office/drawing/2014/main" id="{0D0289B0-EA28-3D64-334D-4DBBBD3B0572}"/>
+              </a:ext>
+            </a:extLst>
+          </p:cNvPr>
+          <p:cNvPicPr>
+            <a:picLocks noChangeAspect="1"/>
+          </p:cNvPicPr>
+          <p:nvPr/>
+        </p:nvPicPr>
+        <p:blipFill>
+          <a:blip r:embed="rId3"/>
+          <a:stretch>
+            <a:fillRect/>
+          </a:stretch>
+        </p:blipFill>
+        <p:spPr>
+          <a:xfrm>
+            <a:off x="7960640" y="1403982"/>
+            <a:ext cx="3939881" cy="1501270"/>
+          </a:xfrm>
+          <a:prstGeom prst="rect">
+            <a:avLst/>
+          </a:prstGeom>
+        </p:spPr>
+      </p:pic>
+      <p:pic>
+        <p:nvPicPr>
+          <p:cNvPr id="9" name="Picture 8">
+            <a:extLst>
+              <a:ext uri="{FF2B5EF4-FFF2-40B4-BE49-F238E27FC236}">
+                <a16:creationId xmlns:a16="http://schemas.microsoft.com/office/drawing/2014/main" id="{38ECC8E6-5D1F-0D62-E859-3BDD8AF9CFDF}"/>
+              </a:ext>
+            </a:extLst>
+          </p:cNvPr>
+          <p:cNvPicPr>
+            <a:picLocks noChangeAspect="1"/>
+          </p:cNvPicPr>
+          <p:nvPr/>
+        </p:nvPicPr>
+        <p:blipFill>
+          <a:blip r:embed="rId4"/>
+          <a:stretch>
+            <a:fillRect/>
+          </a:stretch>
+        </p:blipFill>
+        <p:spPr>
+          <a:xfrm>
+            <a:off x="4712852" y="3429000"/>
+            <a:ext cx="5578323" cy="2796782"/>
+          </a:xfrm>
+          <a:prstGeom prst="rect">
+            <a:avLst/>
+          </a:prstGeom>
+        </p:spPr>
+      </p:pic>
+    </p:spTree>
+    <p:extLst>
+      <p:ext uri="{BB962C8B-B14F-4D97-AF65-F5344CB8AC3E}">
+        <p14:creationId xmlns:p14="http://schemas.microsoft.com/office/powerpoint/2010/main" val="1464371319"/>
+      </p:ext>
+    </p:extLst>
+  </p:cSld>
+  <p:clrMapOvr>
+    <a:masterClrMapping/>
+  </p:clrMapOvr>
+</p:sld>
+</file>
+
 <file path=ppt/slides/slide3.xml><?xml version="1.0" encoding="utf-8"?>
 <p:sld xmlns:a="http://schemas.openxmlformats.org/drawingml/2006/main" xmlns:r="http://schemas.openxmlformats.org/officeDocument/2006/relationships" xmlns:p="http://schemas.openxmlformats.org/presentationml/2006/main">
   <p:cSld>
@@ -13777,233 +13908,6 @@
   <p:cSld>
     <p:spTree>
       <p:nvGrpSpPr>
-        <p:cNvPr id="1" name=""/>
-        <p:cNvGrpSpPr/>
-        <p:nvPr/>
-      </p:nvGrpSpPr>
-      <p:grpSpPr>
-        <a:xfrm>
-          <a:off x="0" y="0"/>
-          <a:ext cx="0" cy="0"/>
-          <a:chOff x="0" y="0"/>
-          <a:chExt cx="0" cy="0"/>
-        </a:xfrm>
-      </p:grpSpPr>
-      <p:sp>
-        <p:nvSpPr>
-          <p:cNvPr id="2" name="Title 1">
-            <a:extLst>
-              <a:ext uri="{FF2B5EF4-FFF2-40B4-BE49-F238E27FC236}">
-                <a16:creationId xmlns:a16="http://schemas.microsoft.com/office/drawing/2014/main" id="{211831C6-A3AF-7AA3-54A0-F21B6BEED64E}"/>
-              </a:ext>
-            </a:extLst>
-          </p:cNvPr>
-          <p:cNvSpPr>
-            <a:spLocks noGrp="1"/>
-          </p:cNvSpPr>
-          <p:nvPr>
-            <p:ph type="title"/>
-          </p:nvPr>
-        </p:nvSpPr>
-        <p:spPr/>
-        <p:txBody>
-          <a:bodyPr/>
-          <a:lstStyle/>
-          <a:p>
-            <a:r>
-              <a:rPr lang="en-US" dirty="0" err="1"/>
-              <a:t>Hilos</a:t>
-            </a:r>
-            <a:r>
-              <a:rPr lang="en-US" dirty="0"/>
-              <a:t> </a:t>
-            </a:r>
-            <a:r>
-              <a:rPr lang="en-US" dirty="0" err="1"/>
-              <a:t>Concurrentes</a:t>
-            </a:r>
-            <a:endParaRPr lang="es-EC" dirty="0"/>
-          </a:p>
-        </p:txBody>
-      </p:sp>
-      <p:sp>
-        <p:nvSpPr>
-          <p:cNvPr id="3" name="Content Placeholder 2">
-            <a:extLst>
-              <a:ext uri="{FF2B5EF4-FFF2-40B4-BE49-F238E27FC236}">
-                <a16:creationId xmlns:a16="http://schemas.microsoft.com/office/drawing/2014/main" id="{3EE5860A-3782-FD72-4041-A26F1B57F499}"/>
-              </a:ext>
-            </a:extLst>
-          </p:cNvPr>
-          <p:cNvSpPr>
-            <a:spLocks noGrp="1"/>
-          </p:cNvSpPr>
-          <p:nvPr>
-            <p:ph idx="1"/>
-          </p:nvPr>
-        </p:nvSpPr>
-        <p:spPr>
-          <a:xfrm>
-            <a:off x="425245" y="1825625"/>
-            <a:ext cx="3330677" cy="4351338"/>
-          </a:xfrm>
-        </p:spPr>
-        <p:txBody>
-          <a:bodyPr>
-            <a:normAutofit lnSpcReduction="10000"/>
-          </a:bodyPr>
-          <a:lstStyle/>
-          <a:p>
-            <a:pPr>
-              <a:buFont typeface="Arial" panose="020B0604020202020204" pitchFamily="34" charset="0"/>
-              <a:buChar char="•"/>
-            </a:pPr>
-            <a:r>
-              <a:rPr lang="es-ES" dirty="0"/>
-              <a:t>Crear un programa que use hilos para realizar tres tareas en </a:t>
-            </a:r>
-            <a:r>
-              <a:rPr lang="es-ES" dirty="0" err="1"/>
-              <a:t>paralelo:Imprimir</a:t>
-            </a:r>
-            <a:r>
-              <a:rPr lang="es-ES" dirty="0"/>
-              <a:t> números del 1 al 5.</a:t>
-            </a:r>
-          </a:p>
-          <a:p>
-            <a:pPr>
-              <a:buFont typeface="Arial" panose="020B0604020202020204" pitchFamily="34" charset="0"/>
-              <a:buChar char="•"/>
-            </a:pPr>
-            <a:r>
-              <a:rPr lang="es-ES" dirty="0"/>
-              <a:t>Imprimir letras de 'A' a 'E'.</a:t>
-            </a:r>
-          </a:p>
-          <a:p>
-            <a:pPr>
-              <a:buFont typeface="Arial" panose="020B0604020202020204" pitchFamily="34" charset="0"/>
-              <a:buChar char="•"/>
-            </a:pPr>
-            <a:r>
-              <a:rPr lang="es-ES" dirty="0"/>
-              <a:t>Mostrar un mensaje fijo cinco veces.</a:t>
-            </a:r>
-          </a:p>
-          <a:p>
-            <a:endParaRPr lang="es-EC" dirty="0"/>
-          </a:p>
-        </p:txBody>
-      </p:sp>
-      <p:pic>
-        <p:nvPicPr>
-          <p:cNvPr id="5" name="Picture 4">
-            <a:extLst>
-              <a:ext uri="{FF2B5EF4-FFF2-40B4-BE49-F238E27FC236}">
-                <a16:creationId xmlns:a16="http://schemas.microsoft.com/office/drawing/2014/main" id="{C3808D0F-78B8-CDD7-F479-081EB6504A83}"/>
-              </a:ext>
-            </a:extLst>
-          </p:cNvPr>
-          <p:cNvPicPr>
-            <a:picLocks noChangeAspect="1"/>
-          </p:cNvPicPr>
-          <p:nvPr/>
-        </p:nvPicPr>
-        <p:blipFill>
-          <a:blip r:embed="rId2"/>
-          <a:stretch>
-            <a:fillRect/>
-          </a:stretch>
-        </p:blipFill>
-        <p:spPr>
-          <a:xfrm>
-            <a:off x="4041058" y="1396361"/>
-            <a:ext cx="3741744" cy="1508891"/>
-          </a:xfrm>
-          <a:prstGeom prst="rect">
-            <a:avLst/>
-          </a:prstGeom>
-        </p:spPr>
-      </p:pic>
-      <p:pic>
-        <p:nvPicPr>
-          <p:cNvPr id="7" name="Picture 6">
-            <a:extLst>
-              <a:ext uri="{FF2B5EF4-FFF2-40B4-BE49-F238E27FC236}">
-                <a16:creationId xmlns:a16="http://schemas.microsoft.com/office/drawing/2014/main" id="{0D0289B0-EA28-3D64-334D-4DBBBD3B0572}"/>
-              </a:ext>
-            </a:extLst>
-          </p:cNvPr>
-          <p:cNvPicPr>
-            <a:picLocks noChangeAspect="1"/>
-          </p:cNvPicPr>
-          <p:nvPr/>
-        </p:nvPicPr>
-        <p:blipFill>
-          <a:blip r:embed="rId3"/>
-          <a:stretch>
-            <a:fillRect/>
-          </a:stretch>
-        </p:blipFill>
-        <p:spPr>
-          <a:xfrm>
-            <a:off x="7960640" y="1403982"/>
-            <a:ext cx="3939881" cy="1501270"/>
-          </a:xfrm>
-          <a:prstGeom prst="rect">
-            <a:avLst/>
-          </a:prstGeom>
-        </p:spPr>
-      </p:pic>
-      <p:pic>
-        <p:nvPicPr>
-          <p:cNvPr id="9" name="Picture 8">
-            <a:extLst>
-              <a:ext uri="{FF2B5EF4-FFF2-40B4-BE49-F238E27FC236}">
-                <a16:creationId xmlns:a16="http://schemas.microsoft.com/office/drawing/2014/main" id="{38ECC8E6-5D1F-0D62-E859-3BDD8AF9CFDF}"/>
-              </a:ext>
-            </a:extLst>
-          </p:cNvPr>
-          <p:cNvPicPr>
-            <a:picLocks noChangeAspect="1"/>
-          </p:cNvPicPr>
-          <p:nvPr/>
-        </p:nvPicPr>
-        <p:blipFill>
-          <a:blip r:embed="rId4"/>
-          <a:stretch>
-            <a:fillRect/>
-          </a:stretch>
-        </p:blipFill>
-        <p:spPr>
-          <a:xfrm>
-            <a:off x="4712852" y="3429000"/>
-            <a:ext cx="5578323" cy="2796782"/>
-          </a:xfrm>
-          <a:prstGeom prst="rect">
-            <a:avLst/>
-          </a:prstGeom>
-        </p:spPr>
-      </p:pic>
-    </p:spTree>
-    <p:extLst>
-      <p:ext uri="{BB962C8B-B14F-4D97-AF65-F5344CB8AC3E}">
-        <p14:creationId xmlns:p14="http://schemas.microsoft.com/office/powerpoint/2010/main" val="1464371319"/>
-      </p:ext>
-    </p:extLst>
-  </p:cSld>
-  <p:clrMapOvr>
-    <a:masterClrMapping/>
-  </p:clrMapOvr>
-</p:sld>
-</file>
-
-<file path=ppt/slides/slide31.xml><?xml version="1.0" encoding="utf-8"?>
-<p:sld xmlns:a="http://schemas.openxmlformats.org/drawingml/2006/main" xmlns:r="http://schemas.openxmlformats.org/officeDocument/2006/relationships" xmlns:p="http://schemas.openxmlformats.org/presentationml/2006/main">
-  <p:cSld>
-    <p:spTree>
-      <p:nvGrpSpPr>
         <p:cNvPr id="1" name="">
           <a:extLst>
             <a:ext uri="{FF2B5EF4-FFF2-40B4-BE49-F238E27FC236}">
@@ -14465,7 +14369,7 @@
 </p:sld>
 </file>
 
-<file path=ppt/slides/slide32.xml><?xml version="1.0" encoding="utf-8"?>
+<file path=ppt/slides/slide31.xml><?xml version="1.0" encoding="utf-8"?>
 <p:sld xmlns:a="http://schemas.openxmlformats.org/drawingml/2006/main" xmlns:r="http://schemas.openxmlformats.org/officeDocument/2006/relationships" xmlns:p="http://schemas.openxmlformats.org/presentationml/2006/main">
   <p:cSld>
     <p:spTree>
@@ -14726,7 +14630,7 @@
 </p:sld>
 </file>
 
-<file path=ppt/slides/slide33.xml><?xml version="1.0" encoding="utf-8"?>
+<file path=ppt/slides/slide32.xml><?xml version="1.0" encoding="utf-8"?>
 <p:sld xmlns:a="http://schemas.openxmlformats.org/drawingml/2006/main" xmlns:r="http://schemas.openxmlformats.org/officeDocument/2006/relationships" xmlns:p="http://schemas.openxmlformats.org/presentationml/2006/main">
   <p:cSld>
     <p:spTree>
@@ -14942,7 +14846,7 @@
 </p:sld>
 </file>
 
-<file path=ppt/slides/slide34.xml><?xml version="1.0" encoding="utf-8"?>
+<file path=ppt/slides/slide33.xml><?xml version="1.0" encoding="utf-8"?>
 <p:sld xmlns:a="http://schemas.openxmlformats.org/drawingml/2006/main" xmlns:r="http://schemas.openxmlformats.org/officeDocument/2006/relationships" xmlns:p="http://schemas.openxmlformats.org/presentationml/2006/main">
   <p:cSld>
     <p:spTree>
@@ -15337,6 +15241,179 @@
 </p:sld>
 </file>
 
+<file path=ppt/slides/slide34.xml><?xml version="1.0" encoding="utf-8"?>
+<p:sld xmlns:a="http://schemas.openxmlformats.org/drawingml/2006/main" xmlns:r="http://schemas.openxmlformats.org/officeDocument/2006/relationships" xmlns:p="http://schemas.openxmlformats.org/presentationml/2006/main">
+  <p:cSld>
+    <p:spTree>
+      <p:nvGrpSpPr>
+        <p:cNvPr id="1" name=""/>
+        <p:cNvGrpSpPr/>
+        <p:nvPr/>
+      </p:nvGrpSpPr>
+      <p:grpSpPr>
+        <a:xfrm>
+          <a:off x="0" y="0"/>
+          <a:ext cx="0" cy="0"/>
+          <a:chOff x="0" y="0"/>
+          <a:chExt cx="0" cy="0"/>
+        </a:xfrm>
+      </p:grpSpPr>
+      <p:sp>
+        <p:nvSpPr>
+          <p:cNvPr id="2" name="Title 1">
+            <a:extLst>
+              <a:ext uri="{FF2B5EF4-FFF2-40B4-BE49-F238E27FC236}">
+                <a16:creationId xmlns:a16="http://schemas.microsoft.com/office/drawing/2014/main" id="{A9ED2449-E423-08EE-2577-B5FD36A94FA8}"/>
+              </a:ext>
+            </a:extLst>
+          </p:cNvPr>
+          <p:cNvSpPr>
+            <a:spLocks noGrp="1"/>
+          </p:cNvSpPr>
+          <p:nvPr>
+            <p:ph type="title"/>
+          </p:nvPr>
+        </p:nvSpPr>
+        <p:spPr/>
+        <p:txBody>
+          <a:bodyPr/>
+          <a:lstStyle/>
+          <a:p>
+            <a:r>
+              <a:rPr lang="es-EC" dirty="0" err="1"/>
+              <a:t>Codigo</a:t>
+            </a:r>
+            <a:r>
+              <a:rPr lang="es-EC" dirty="0"/>
+              <a:t> Fuente, Presentación y Desafío</a:t>
+            </a:r>
+          </a:p>
+        </p:txBody>
+      </p:sp>
+      <p:sp>
+        <p:nvSpPr>
+          <p:cNvPr id="3" name="Content Placeholder 2">
+            <a:extLst>
+              <a:ext uri="{FF2B5EF4-FFF2-40B4-BE49-F238E27FC236}">
+                <a16:creationId xmlns:a16="http://schemas.microsoft.com/office/drawing/2014/main" id="{ACC59BF3-A6B2-9FD1-F2EF-61560FEA5108}"/>
+              </a:ext>
+            </a:extLst>
+          </p:cNvPr>
+          <p:cNvSpPr>
+            <a:spLocks noGrp="1"/>
+          </p:cNvSpPr>
+          <p:nvPr>
+            <p:ph idx="1"/>
+          </p:nvPr>
+        </p:nvSpPr>
+        <p:spPr/>
+        <p:txBody>
+          <a:bodyPr/>
+          <a:lstStyle/>
+          <a:p>
+            <a:r>
+              <a:rPr lang="es-EC" dirty="0"/>
+              <a:t>https://github.com/PelaezFrancisco/Presentacion_Java.git</a:t>
+            </a:r>
+          </a:p>
+        </p:txBody>
+      </p:sp>
+      <p:pic>
+        <p:nvPicPr>
+          <p:cNvPr id="7" name="Picture 6" descr="A qr code with black squares&#10;&#10;Description automatically generated">
+            <a:extLst>
+              <a:ext uri="{FF2B5EF4-FFF2-40B4-BE49-F238E27FC236}">
+                <a16:creationId xmlns:a16="http://schemas.microsoft.com/office/drawing/2014/main" id="{9A1A256C-FE89-19C6-2152-8B3567A4CC61}"/>
+              </a:ext>
+            </a:extLst>
+          </p:cNvPr>
+          <p:cNvPicPr>
+            <a:picLocks noChangeAspect="1"/>
+          </p:cNvPicPr>
+          <p:nvPr/>
+        </p:nvPicPr>
+        <p:blipFill>
+          <a:blip r:embed="rId2">
+            <a:extLst>
+              <a:ext uri="{28A0092B-C50C-407E-A947-70E740481C1C}">
+                <a14:useLocalDpi xmlns:a14="http://schemas.microsoft.com/office/drawing/2010/main" val="0"/>
+              </a:ext>
+            </a:extLst>
+          </a:blip>
+          <a:stretch>
+            <a:fillRect/>
+          </a:stretch>
+        </p:blipFill>
+        <p:spPr>
+          <a:xfrm>
+            <a:off x="6695766" y="2601757"/>
+            <a:ext cx="3370007" cy="3370007"/>
+          </a:xfrm>
+          <a:prstGeom prst="rect">
+            <a:avLst/>
+          </a:prstGeom>
+        </p:spPr>
+      </p:pic>
+      <p:pic>
+        <p:nvPicPr>
+          <p:cNvPr id="40962" name="Picture 2" descr="GitHub Logos and Usage · GitHub">
+            <a:extLst>
+              <a:ext uri="{FF2B5EF4-FFF2-40B4-BE49-F238E27FC236}">
+                <a16:creationId xmlns:a16="http://schemas.microsoft.com/office/drawing/2014/main" id="{EC816406-9C57-3DAF-8615-F2A3D121C5A4}"/>
+              </a:ext>
+            </a:extLst>
+          </p:cNvPr>
+          <p:cNvPicPr>
+            <a:picLocks noChangeAspect="1" noChangeArrowheads="1"/>
+          </p:cNvPicPr>
+          <p:nvPr/>
+        </p:nvPicPr>
+        <p:blipFill>
+          <a:blip r:embed="rId3">
+            <a:extLst>
+              <a:ext uri="{28A0092B-C50C-407E-A947-70E740481C1C}">
+                <a14:useLocalDpi xmlns:a14="http://schemas.microsoft.com/office/drawing/2010/main" val="0"/>
+              </a:ext>
+            </a:extLst>
+          </a:blip>
+          <a:srcRect/>
+          <a:stretch>
+            <a:fillRect/>
+          </a:stretch>
+        </p:blipFill>
+        <p:spPr bwMode="auto">
+          <a:xfrm>
+            <a:off x="2126227" y="3271684"/>
+            <a:ext cx="2440858" cy="2440858"/>
+          </a:xfrm>
+          <a:prstGeom prst="rect">
+            <a:avLst/>
+          </a:prstGeom>
+          <a:noFill/>
+          <a:extLst>
+            <a:ext uri="{909E8E84-426E-40DD-AFC4-6F175D3DCCD1}">
+              <a14:hiddenFill xmlns:a14="http://schemas.microsoft.com/office/drawing/2010/main">
+                <a:solidFill>
+                  <a:srgbClr val="FFFFFF"/>
+                </a:solidFill>
+              </a14:hiddenFill>
+            </a:ext>
+          </a:extLst>
+        </p:spPr>
+      </p:pic>
+    </p:spTree>
+    <p:extLst>
+      <p:ext uri="{BB962C8B-B14F-4D97-AF65-F5344CB8AC3E}">
+        <p14:creationId xmlns:p14="http://schemas.microsoft.com/office/powerpoint/2010/main" val="3054318884"/>
+      </p:ext>
+    </p:extLst>
+  </p:cSld>
+  <p:clrMapOvr>
+    <a:masterClrMapping/>
+  </p:clrMapOvr>
+</p:sld>
+</file>
+
 <file path=ppt/slides/slide35.xml><?xml version="1.0" encoding="utf-8"?>
 <p:sld xmlns:a="http://schemas.openxmlformats.org/drawingml/2006/main" xmlns:r="http://schemas.openxmlformats.org/officeDocument/2006/relationships" xmlns:p="http://schemas.openxmlformats.org/presentationml/2006/main">
   <p:cSld>
@@ -15359,7 +15436,7 @@
           <p:cNvPr id="2" name="Title 1">
             <a:extLst>
               <a:ext uri="{FF2B5EF4-FFF2-40B4-BE49-F238E27FC236}">
-                <a16:creationId xmlns:a16="http://schemas.microsoft.com/office/drawing/2014/main" id="{A9ED2449-E423-08EE-2577-B5FD36A94FA8}"/>
+                <a16:creationId xmlns:a16="http://schemas.microsoft.com/office/drawing/2014/main" id="{BC4BF8EF-4361-1414-BEB8-24D138B63A69}"/>
               </a:ext>
             </a:extLst>
           </p:cNvPr>
@@ -15375,10 +15452,7 @@
           <a:bodyPr/>
           <a:lstStyle/>
           <a:p>
-            <a:r>
-              <a:rPr lang="es-EC" dirty="0"/>
-              <a:t>Ejercicio Opcional</a:t>
-            </a:r>
+            <a:endParaRPr lang="es-EC"/>
           </a:p>
         </p:txBody>
       </p:sp>
@@ -15387,7 +15461,7 @@
           <p:cNvPr id="3" name="Content Placeholder 2">
             <a:extLst>
               <a:ext uri="{FF2B5EF4-FFF2-40B4-BE49-F238E27FC236}">
-                <a16:creationId xmlns:a16="http://schemas.microsoft.com/office/drawing/2014/main" id="{ACC59BF3-A6B2-9FD1-F2EF-61560FEA5108}"/>
+                <a16:creationId xmlns:a16="http://schemas.microsoft.com/office/drawing/2014/main" id="{F5713260-B2AC-0649-0E9E-4FB7AE82AE68}"/>
               </a:ext>
             </a:extLst>
           </p:cNvPr>
@@ -15403,14 +15477,17 @@
           <a:bodyPr/>
           <a:lstStyle/>
           <a:p>
-            <a:endParaRPr lang="es-EC" dirty="0"/>
+            <a:r>
+              <a:rPr lang="es-EC" dirty="0"/>
+              <a:t>Gracias!</a:t>
+            </a:r>
           </a:p>
         </p:txBody>
       </p:sp>
     </p:spTree>
     <p:extLst>
       <p:ext uri="{BB962C8B-B14F-4D97-AF65-F5344CB8AC3E}">
-        <p14:creationId xmlns:p14="http://schemas.microsoft.com/office/powerpoint/2010/main" val="3054318884"/>
+        <p14:creationId xmlns:p14="http://schemas.microsoft.com/office/powerpoint/2010/main" val="2283751615"/>
       </p:ext>
     </p:extLst>
   </p:cSld>
@@ -15630,7 +15707,15 @@
             </a:r>
             <a:r>
               <a:rPr lang="en-US" altLang="en-US" dirty="0"/>
-              <a:t>IntelliJ IDEA, Eclipse, VS Code.</a:t>
+              <a:t>IntelliJ IDEA, Eclipse, VS Code, </a:t>
+            </a:r>
+            <a:r>
+              <a:rPr lang="en-US" altLang="en-US" dirty="0" err="1"/>
+              <a:t>Netbeans</a:t>
+            </a:r>
+            <a:r>
+              <a:rPr lang="en-US" altLang="en-US" dirty="0"/>
+              <a:t>.</a:t>
             </a:r>
           </a:p>
           <a:p>
@@ -15777,7 +15862,7 @@
         </p:blipFill>
         <p:spPr>
           <a:xfrm>
-            <a:off x="6096000" y="1994962"/>
+            <a:off x="6096000" y="5072458"/>
             <a:ext cx="5997677" cy="1044030"/>
           </a:xfrm>
           <a:prstGeom prst="rect">
@@ -15787,32 +15872,190 @@
       </p:pic>
       <p:pic>
         <p:nvPicPr>
-          <p:cNvPr id="9" name="Picture 8">
+          <p:cNvPr id="5123" name="Picture 3" descr="Visual Studio Code - YouTube">
             <a:extLst>
               <a:ext uri="{FF2B5EF4-FFF2-40B4-BE49-F238E27FC236}">
-                <a16:creationId xmlns:a16="http://schemas.microsoft.com/office/drawing/2014/main" id="{EE02DBC4-FD97-3D65-74B5-BC8C35025BDA}"/>
+                <a16:creationId xmlns:a16="http://schemas.microsoft.com/office/drawing/2014/main" id="{F0811CC9-78AA-22FD-939C-D79EEDD828FD}"/>
               </a:ext>
             </a:extLst>
           </p:cNvPr>
           <p:cNvPicPr>
-            <a:picLocks noChangeAspect="1"/>
+            <a:picLocks noChangeAspect="1" noChangeArrowheads="1"/>
           </p:cNvPicPr>
           <p:nvPr/>
         </p:nvPicPr>
         <p:blipFill>
-          <a:blip r:embed="rId3"/>
+          <a:blip r:embed="rId3">
+            <a:extLst>
+              <a:ext uri="{28A0092B-C50C-407E-A947-70E740481C1C}">
+                <a14:useLocalDpi xmlns:a14="http://schemas.microsoft.com/office/drawing/2010/main" val="0"/>
+              </a:ext>
+            </a:extLst>
+          </a:blip>
+          <a:srcRect/>
           <a:stretch>
             <a:fillRect/>
           </a:stretch>
         </p:blipFill>
-        <p:spPr>
+        <p:spPr bwMode="auto">
           <a:xfrm>
-            <a:off x="6669290" y="3063985"/>
-            <a:ext cx="4968671" cy="3543607"/>
+            <a:off x="6597444" y="1437242"/>
+            <a:ext cx="1944329" cy="1944329"/>
           </a:xfrm>
           <a:prstGeom prst="rect">
             <a:avLst/>
           </a:prstGeom>
+          <a:noFill/>
+          <a:extLst>
+            <a:ext uri="{909E8E84-426E-40DD-AFC4-6F175D3DCCD1}">
+              <a14:hiddenFill xmlns:a14="http://schemas.microsoft.com/office/drawing/2010/main">
+                <a:solidFill>
+                  <a:srgbClr val="FFFFFF"/>
+                </a:solidFill>
+              </a14:hiddenFill>
+            </a:ext>
+          </a:extLst>
+        </p:spPr>
+      </p:pic>
+      <p:pic>
+        <p:nvPicPr>
+          <p:cNvPr id="5131" name="Picture 11" descr="Eclipse Logo PNG Vector (SVG) Free Download">
+            <a:extLst>
+              <a:ext uri="{FF2B5EF4-FFF2-40B4-BE49-F238E27FC236}">
+                <a16:creationId xmlns:a16="http://schemas.microsoft.com/office/drawing/2014/main" id="{B2C7F055-C4F7-6FDE-6ECE-FCE3F40904EF}"/>
+              </a:ext>
+            </a:extLst>
+          </p:cNvPr>
+          <p:cNvPicPr>
+            <a:picLocks noChangeAspect="1" noChangeArrowheads="1"/>
+          </p:cNvPicPr>
+          <p:nvPr/>
+        </p:nvPicPr>
+        <p:blipFill>
+          <a:blip r:embed="rId4">
+            <a:extLst>
+              <a:ext uri="{28A0092B-C50C-407E-A947-70E740481C1C}">
+                <a14:useLocalDpi xmlns:a14="http://schemas.microsoft.com/office/drawing/2010/main" val="0"/>
+              </a:ext>
+            </a:extLst>
+          </a:blip>
+          <a:srcRect/>
+          <a:stretch>
+            <a:fillRect/>
+          </a:stretch>
+        </p:blipFill>
+        <p:spPr bwMode="auto">
+          <a:xfrm>
+            <a:off x="9275505" y="1670023"/>
+            <a:ext cx="1578756" cy="1478768"/>
+          </a:xfrm>
+          <a:prstGeom prst="rect">
+            <a:avLst/>
+          </a:prstGeom>
+          <a:noFill/>
+          <a:extLst>
+            <a:ext uri="{909E8E84-426E-40DD-AFC4-6F175D3DCCD1}">
+              <a14:hiddenFill xmlns:a14="http://schemas.microsoft.com/office/drawing/2010/main">
+                <a:solidFill>
+                  <a:srgbClr val="FFFFFF"/>
+                </a:solidFill>
+              </a14:hiddenFill>
+            </a:ext>
+          </a:extLst>
+        </p:spPr>
+      </p:pic>
+      <p:pic>
+        <p:nvPicPr>
+          <p:cNvPr id="5133" name="Picture 13" descr="IntelliJ IDEA - Wikipedia, la enciclopedia libre">
+            <a:extLst>
+              <a:ext uri="{FF2B5EF4-FFF2-40B4-BE49-F238E27FC236}">
+                <a16:creationId xmlns:a16="http://schemas.microsoft.com/office/drawing/2014/main" id="{5E1FACE4-AABB-880B-C9DD-23F51AB63C25}"/>
+              </a:ext>
+            </a:extLst>
+          </p:cNvPr>
+          <p:cNvPicPr>
+            <a:picLocks noChangeAspect="1" noChangeArrowheads="1"/>
+          </p:cNvPicPr>
+          <p:nvPr/>
+        </p:nvPicPr>
+        <p:blipFill>
+          <a:blip r:embed="rId5">
+            <a:extLst>
+              <a:ext uri="{28A0092B-C50C-407E-A947-70E740481C1C}">
+                <a14:useLocalDpi xmlns:a14="http://schemas.microsoft.com/office/drawing/2010/main" val="0"/>
+              </a:ext>
+            </a:extLst>
+          </a:blip>
+          <a:srcRect/>
+          <a:stretch>
+            <a:fillRect/>
+          </a:stretch>
+        </p:blipFill>
+        <p:spPr bwMode="auto">
+          <a:xfrm>
+            <a:off x="6793227" y="3381571"/>
+            <a:ext cx="1552762" cy="1552762"/>
+          </a:xfrm>
+          <a:prstGeom prst="rect">
+            <a:avLst/>
+          </a:prstGeom>
+          <a:noFill/>
+          <a:extLst>
+            <a:ext uri="{909E8E84-426E-40DD-AFC4-6F175D3DCCD1}">
+              <a14:hiddenFill xmlns:a14="http://schemas.microsoft.com/office/drawing/2010/main">
+                <a:solidFill>
+                  <a:srgbClr val="FFFFFF"/>
+                </a:solidFill>
+              </a14:hiddenFill>
+            </a:ext>
+          </a:extLst>
+        </p:spPr>
+      </p:pic>
+      <p:pic>
+        <p:nvPicPr>
+          <p:cNvPr id="5135" name="Picture 15" descr="Download NetBeans Logo in SVG Vector or PNG File Format - Logo.wine">
+            <a:extLst>
+              <a:ext uri="{FF2B5EF4-FFF2-40B4-BE49-F238E27FC236}">
+                <a16:creationId xmlns:a16="http://schemas.microsoft.com/office/drawing/2014/main" id="{726A4E8B-3754-6726-49F9-F1FA5C016116}"/>
+              </a:ext>
+            </a:extLst>
+          </p:cNvPr>
+          <p:cNvPicPr>
+            <a:picLocks noChangeAspect="1" noChangeArrowheads="1"/>
+          </p:cNvPicPr>
+          <p:nvPr/>
+        </p:nvPicPr>
+        <p:blipFill>
+          <a:blip r:embed="rId6">
+            <a:extLst>
+              <a:ext uri="{28A0092B-C50C-407E-A947-70E740481C1C}">
+                <a14:useLocalDpi xmlns:a14="http://schemas.microsoft.com/office/drawing/2010/main" val="0"/>
+              </a:ext>
+            </a:extLst>
+          </a:blip>
+          <a:srcRect/>
+          <a:stretch>
+            <a:fillRect/>
+          </a:stretch>
+        </p:blipFill>
+        <p:spPr bwMode="auto">
+          <a:xfrm>
+            <a:off x="8345989" y="2922816"/>
+            <a:ext cx="3678494" cy="2452329"/>
+          </a:xfrm>
+          <a:prstGeom prst="rect">
+            <a:avLst/>
+          </a:prstGeom>
+          <a:noFill/>
+          <a:extLst>
+            <a:ext uri="{909E8E84-426E-40DD-AFC4-6F175D3DCCD1}">
+              <a14:hiddenFill xmlns:a14="http://schemas.microsoft.com/office/drawing/2010/main">
+                <a:solidFill>
+                  <a:srgbClr val="FFFFFF"/>
+                </a:solidFill>
+              </a14:hiddenFill>
+            </a:ext>
+          </a:extLst>
         </p:spPr>
       </p:pic>
     </p:spTree>
